--- a/web/g24/status/Status4.pptx
+++ b/web/g24/status/Status4.pptx
@@ -5,16 +5,17 @@
     <p:sldMasterId id="2147483648" r:id="rId1"/>
   </p:sldMasterIdLst>
   <p:notesMasterIdLst>
-    <p:notesMasterId r:id="rId6"/>
+    <p:notesMasterId r:id="rId7"/>
   </p:notesMasterIdLst>
   <p:handoutMasterIdLst>
-    <p:handoutMasterId r:id="rId7"/>
+    <p:handoutMasterId r:id="rId8"/>
   </p:handoutMasterIdLst>
   <p:sldIdLst>
     <p:sldId id="393" r:id="rId2"/>
-    <p:sldId id="383" r:id="rId3"/>
-    <p:sldId id="389" r:id="rId4"/>
+    <p:sldId id="389" r:id="rId3"/>
+    <p:sldId id="383" r:id="rId4"/>
     <p:sldId id="391" r:id="rId5"/>
+    <p:sldId id="394" r:id="rId6"/>
   </p:sldIdLst>
   <p:sldSz cx="9144000" cy="6858000" type="screen4x3"/>
   <p:notesSz cx="7099300" cy="10234613"/>
@@ -149,9 +150,10 @@
         <p14:section name="Default Section" id="{6DAA713F-5F37-409B-BE0B-0BDA6802FF5C}">
           <p14:sldIdLst>
             <p14:sldId id="393"/>
+            <p14:sldId id="389"/>
             <p14:sldId id="383"/>
-            <p14:sldId id="389"/>
             <p14:sldId id="391"/>
+            <p14:sldId id="394"/>
           </p14:sldIdLst>
         </p14:section>
       </p14:sectionLst>
@@ -1517,7 +1519,7 @@
         <p:txBody>
           <a:bodyPr/>
           <a:lstStyle>
-            <a:lvl1pPr defTabSz="954542" eaLnBrk="0" hangingPunct="0">
+            <a:lvl1pPr defTabSz="990528" eaLnBrk="0" hangingPunct="0">
               <a:spcBef>
                 <a:spcPct val="30000"/>
               </a:spcBef>
@@ -1529,7 +1531,7 @@
                 <a:ea typeface="ＭＳ Ｐゴシック" pitchFamily="34" charset="-128"/>
               </a:defRPr>
             </a:lvl1pPr>
-            <a:lvl2pPr marL="715907" indent="-275349" defTabSz="954542" eaLnBrk="0" hangingPunct="0">
+            <a:lvl2pPr marL="742897" indent="-285730" defTabSz="990528" eaLnBrk="0" hangingPunct="0">
               <a:spcBef>
                 <a:spcPct val="30000"/>
               </a:spcBef>
@@ -1541,7 +1543,7 @@
                 <a:ea typeface="ＭＳ Ｐゴシック" pitchFamily="34" charset="-128"/>
               </a:defRPr>
             </a:lvl2pPr>
-            <a:lvl3pPr marL="1101395" indent="-220279" defTabSz="954542" eaLnBrk="0" hangingPunct="0">
+            <a:lvl3pPr marL="1142918" indent="-228584" defTabSz="990528" eaLnBrk="0" hangingPunct="0">
               <a:spcBef>
                 <a:spcPct val="30000"/>
               </a:spcBef>
@@ -1553,7 +1555,7 @@
                 <a:ea typeface="ＭＳ Ｐゴシック" pitchFamily="34" charset="-128"/>
               </a:defRPr>
             </a:lvl3pPr>
-            <a:lvl4pPr marL="1541953" indent="-220279" defTabSz="954542" eaLnBrk="0" hangingPunct="0">
+            <a:lvl4pPr marL="1600085" indent="-228584" defTabSz="990528" eaLnBrk="0" hangingPunct="0">
               <a:spcBef>
                 <a:spcPct val="30000"/>
               </a:spcBef>
@@ -1565,7 +1567,7 @@
                 <a:ea typeface="ＭＳ Ｐゴシック" pitchFamily="34" charset="-128"/>
               </a:defRPr>
             </a:lvl4pPr>
-            <a:lvl5pPr marL="1982511" indent="-220279" defTabSz="954542" eaLnBrk="0" hangingPunct="0">
+            <a:lvl5pPr marL="2057252" indent="-228584" defTabSz="990528" eaLnBrk="0" hangingPunct="0">
               <a:spcBef>
                 <a:spcPct val="30000"/>
               </a:spcBef>
@@ -1577,7 +1579,7 @@
                 <a:ea typeface="ＭＳ Ｐゴシック" pitchFamily="34" charset="-128"/>
               </a:defRPr>
             </a:lvl5pPr>
-            <a:lvl6pPr marL="2423069" indent="-220279" defTabSz="954542" eaLnBrk="0" fontAlgn="base" hangingPunct="0">
+            <a:lvl6pPr marL="2514419" indent="-228584" defTabSz="990528" eaLnBrk="0" fontAlgn="base" hangingPunct="0">
               <a:spcBef>
                 <a:spcPct val="30000"/>
               </a:spcBef>
@@ -1592,7 +1594,7 @@
                 <a:ea typeface="ＭＳ Ｐゴシック" pitchFamily="34" charset="-128"/>
               </a:defRPr>
             </a:lvl6pPr>
-            <a:lvl7pPr marL="2863626" indent="-220279" defTabSz="954542" eaLnBrk="0" fontAlgn="base" hangingPunct="0">
+            <a:lvl7pPr marL="2971585" indent="-228584" defTabSz="990528" eaLnBrk="0" fontAlgn="base" hangingPunct="0">
               <a:spcBef>
                 <a:spcPct val="30000"/>
               </a:spcBef>
@@ -1607,7 +1609,7 @@
                 <a:ea typeface="ＭＳ Ｐゴシック" pitchFamily="34" charset="-128"/>
               </a:defRPr>
             </a:lvl7pPr>
-            <a:lvl8pPr marL="3304184" indent="-220279" defTabSz="954542" eaLnBrk="0" fontAlgn="base" hangingPunct="0">
+            <a:lvl8pPr marL="3428752" indent="-228584" defTabSz="990528" eaLnBrk="0" fontAlgn="base" hangingPunct="0">
               <a:spcBef>
                 <a:spcPct val="30000"/>
               </a:spcBef>
@@ -1622,7 +1624,7 @@
                 <a:ea typeface="ＭＳ Ｐゴシック" pitchFamily="34" charset="-128"/>
               </a:defRPr>
             </a:lvl8pPr>
-            <a:lvl9pPr marL="3744742" indent="-220279" defTabSz="954542" eaLnBrk="0" fontAlgn="base" hangingPunct="0">
+            <a:lvl9pPr marL="3885919" indent="-228584" defTabSz="990528" eaLnBrk="0" fontAlgn="base" hangingPunct="0">
               <a:spcBef>
                 <a:spcPct val="30000"/>
               </a:spcBef>
@@ -1677,8 +1679,8 @@
         </p:nvSpPr>
         <p:spPr>
           <a:xfrm>
-            <a:off x="896938" y="746125"/>
-            <a:ext cx="4967287" cy="3727450"/>
+            <a:off x="992188" y="768350"/>
+            <a:ext cx="5114925" cy="3836988"/>
           </a:xfrm>
           <a:ln/>
         </p:spPr>
@@ -1731,7 +1733,7 @@
     </p:spTree>
     <p:extLst>
       <p:ext uri="{BB962C8B-B14F-4D97-AF65-F5344CB8AC3E}">
-        <p14:creationId xmlns:p14="http://schemas.microsoft.com/office/powerpoint/2010/main" val="3465897818"/>
+        <p14:creationId xmlns:p14="http://schemas.microsoft.com/office/powerpoint/2010/main" val="3515384205"/>
       </p:ext>
     </p:extLst>
   </p:cSld>
@@ -1794,7 +1796,7 @@
         <p:txBody>
           <a:bodyPr/>
           <a:lstStyle>
-            <a:lvl1pPr defTabSz="990528" eaLnBrk="0" hangingPunct="0">
+            <a:lvl1pPr defTabSz="954542" eaLnBrk="0" hangingPunct="0">
               <a:spcBef>
                 <a:spcPct val="30000"/>
               </a:spcBef>
@@ -1806,7 +1808,7 @@
                 <a:ea typeface="ＭＳ Ｐゴシック" pitchFamily="34" charset="-128"/>
               </a:defRPr>
             </a:lvl1pPr>
-            <a:lvl2pPr marL="742897" indent="-285730" defTabSz="990528" eaLnBrk="0" hangingPunct="0">
+            <a:lvl2pPr marL="715907" indent="-275349" defTabSz="954542" eaLnBrk="0" hangingPunct="0">
               <a:spcBef>
                 <a:spcPct val="30000"/>
               </a:spcBef>
@@ -1818,7 +1820,7 @@
                 <a:ea typeface="ＭＳ Ｐゴシック" pitchFamily="34" charset="-128"/>
               </a:defRPr>
             </a:lvl2pPr>
-            <a:lvl3pPr marL="1142918" indent="-228584" defTabSz="990528" eaLnBrk="0" hangingPunct="0">
+            <a:lvl3pPr marL="1101395" indent="-220279" defTabSz="954542" eaLnBrk="0" hangingPunct="0">
               <a:spcBef>
                 <a:spcPct val="30000"/>
               </a:spcBef>
@@ -1830,7 +1832,7 @@
                 <a:ea typeface="ＭＳ Ｐゴシック" pitchFamily="34" charset="-128"/>
               </a:defRPr>
             </a:lvl3pPr>
-            <a:lvl4pPr marL="1600085" indent="-228584" defTabSz="990528" eaLnBrk="0" hangingPunct="0">
+            <a:lvl4pPr marL="1541953" indent="-220279" defTabSz="954542" eaLnBrk="0" hangingPunct="0">
               <a:spcBef>
                 <a:spcPct val="30000"/>
               </a:spcBef>
@@ -1842,7 +1844,7 @@
                 <a:ea typeface="ＭＳ Ｐゴシック" pitchFamily="34" charset="-128"/>
               </a:defRPr>
             </a:lvl4pPr>
-            <a:lvl5pPr marL="2057252" indent="-228584" defTabSz="990528" eaLnBrk="0" hangingPunct="0">
+            <a:lvl5pPr marL="1982511" indent="-220279" defTabSz="954542" eaLnBrk="0" hangingPunct="0">
               <a:spcBef>
                 <a:spcPct val="30000"/>
               </a:spcBef>
@@ -1854,7 +1856,7 @@
                 <a:ea typeface="ＭＳ Ｐゴシック" pitchFamily="34" charset="-128"/>
               </a:defRPr>
             </a:lvl5pPr>
-            <a:lvl6pPr marL="2514419" indent="-228584" defTabSz="990528" eaLnBrk="0" fontAlgn="base" hangingPunct="0">
+            <a:lvl6pPr marL="2423069" indent="-220279" defTabSz="954542" eaLnBrk="0" fontAlgn="base" hangingPunct="0">
               <a:spcBef>
                 <a:spcPct val="30000"/>
               </a:spcBef>
@@ -1869,7 +1871,7 @@
                 <a:ea typeface="ＭＳ Ｐゴシック" pitchFamily="34" charset="-128"/>
               </a:defRPr>
             </a:lvl6pPr>
-            <a:lvl7pPr marL="2971585" indent="-228584" defTabSz="990528" eaLnBrk="0" fontAlgn="base" hangingPunct="0">
+            <a:lvl7pPr marL="2863626" indent="-220279" defTabSz="954542" eaLnBrk="0" fontAlgn="base" hangingPunct="0">
               <a:spcBef>
                 <a:spcPct val="30000"/>
               </a:spcBef>
@@ -1884,7 +1886,7 @@
                 <a:ea typeface="ＭＳ Ｐゴシック" pitchFamily="34" charset="-128"/>
               </a:defRPr>
             </a:lvl7pPr>
-            <a:lvl8pPr marL="3428752" indent="-228584" defTabSz="990528" eaLnBrk="0" fontAlgn="base" hangingPunct="0">
+            <a:lvl8pPr marL="3304184" indent="-220279" defTabSz="954542" eaLnBrk="0" fontAlgn="base" hangingPunct="0">
               <a:spcBef>
                 <a:spcPct val="30000"/>
               </a:spcBef>
@@ -1899,7 +1901,7 @@
                 <a:ea typeface="ＭＳ Ｐゴシック" pitchFamily="34" charset="-128"/>
               </a:defRPr>
             </a:lvl8pPr>
-            <a:lvl9pPr marL="3885919" indent="-228584" defTabSz="990528" eaLnBrk="0" fontAlgn="base" hangingPunct="0">
+            <a:lvl9pPr marL="3744742" indent="-220279" defTabSz="954542" eaLnBrk="0" fontAlgn="base" hangingPunct="0">
               <a:spcBef>
                 <a:spcPct val="30000"/>
               </a:spcBef>
@@ -1954,8 +1956,8 @@
         </p:nvSpPr>
         <p:spPr>
           <a:xfrm>
-            <a:off x="992188" y="768350"/>
-            <a:ext cx="5114925" cy="3836988"/>
+            <a:off x="896938" y="746125"/>
+            <a:ext cx="4967287" cy="3727450"/>
           </a:xfrm>
           <a:ln/>
         </p:spPr>
@@ -2008,7 +2010,7 @@
     </p:spTree>
     <p:extLst>
       <p:ext uri="{BB962C8B-B14F-4D97-AF65-F5344CB8AC3E}">
-        <p14:creationId xmlns:p14="http://schemas.microsoft.com/office/powerpoint/2010/main" val="3515384205"/>
+        <p14:creationId xmlns:p14="http://schemas.microsoft.com/office/powerpoint/2010/main" val="3465897818"/>
       </p:ext>
     </p:extLst>
   </p:cSld>
@@ -2286,6 +2288,283 @@
     <p:extLst>
       <p:ext uri="{BB962C8B-B14F-4D97-AF65-F5344CB8AC3E}">
         <p14:creationId xmlns:p14="http://schemas.microsoft.com/office/powerpoint/2010/main" val="2493630271"/>
+      </p:ext>
+    </p:extLst>
+  </p:cSld>
+  <p:clrMapOvr>
+    <a:masterClrMapping/>
+  </p:clrMapOvr>
+</p:notes>
+</file>
+
+<file path=ppt/notesSlides/notesSlide5.xml><?xml version="1.0" encoding="utf-8"?>
+<p:notes xmlns:a="http://schemas.openxmlformats.org/drawingml/2006/main" xmlns:r="http://schemas.openxmlformats.org/officeDocument/2006/relationships" xmlns:p="http://schemas.openxmlformats.org/presentationml/2006/main">
+  <p:cSld>
+    <p:spTree>
+      <p:nvGrpSpPr>
+        <p:cNvPr id="1" name=""/>
+        <p:cNvGrpSpPr/>
+        <p:nvPr/>
+      </p:nvGrpSpPr>
+      <p:grpSpPr>
+        <a:xfrm>
+          <a:off x="0" y="0"/>
+          <a:ext cx="0" cy="0"/>
+          <a:chOff x="0" y="0"/>
+          <a:chExt cx="0" cy="0"/>
+        </a:xfrm>
+      </p:grpSpPr>
+      <p:sp>
+        <p:nvSpPr>
+          <p:cNvPr id="22530" name="Rectangle 7"/>
+          <p:cNvSpPr>
+            <a:spLocks noGrp="1" noChangeArrowheads="1"/>
+          </p:cNvSpPr>
+          <p:nvPr>
+            <p:ph type="sldNum" sz="quarter" idx="5"/>
+          </p:nvPr>
+        </p:nvSpPr>
+        <p:spPr>
+          <a:noFill/>
+          <a:ln/>
+          <a:extLst>
+            <a:ext uri="{909E8E84-426E-40DD-AFC4-6F175D3DCCD1}">
+              <a14:hiddenFill xmlns:a14="http://schemas.microsoft.com/office/drawing/2010/main">
+                <a:solidFill>
+                  <a:srgbClr val="FFFFFF"/>
+                </a:solidFill>
+              </a14:hiddenFill>
+            </a:ext>
+            <a:ext uri="{91240B29-F687-4F45-9708-019B960494DF}">
+              <a14:hiddenLine xmlns:a14="http://schemas.microsoft.com/office/drawing/2010/main" w="9525">
+                <a:solidFill>
+                  <a:srgbClr val="000000"/>
+                </a:solidFill>
+                <a:miter lim="800000"/>
+                <a:headEnd/>
+                <a:tailEnd/>
+              </a14:hiddenLine>
+            </a:ext>
+          </a:extLst>
+        </p:spPr>
+        <p:txBody>
+          <a:bodyPr/>
+          <a:lstStyle>
+            <a:lvl1pPr defTabSz="990528" eaLnBrk="0" hangingPunct="0">
+              <a:spcBef>
+                <a:spcPct val="30000"/>
+              </a:spcBef>
+              <a:defRPr sz="1200">
+                <a:solidFill>
+                  <a:schemeClr val="tx1"/>
+                </a:solidFill>
+                <a:latin typeface="Times New Roman" pitchFamily="18" charset="0"/>
+                <a:ea typeface="ＭＳ Ｐゴシック" pitchFamily="34" charset="-128"/>
+              </a:defRPr>
+            </a:lvl1pPr>
+            <a:lvl2pPr marL="742897" indent="-285730" defTabSz="990528" eaLnBrk="0" hangingPunct="0">
+              <a:spcBef>
+                <a:spcPct val="30000"/>
+              </a:spcBef>
+              <a:defRPr sz="1200">
+                <a:solidFill>
+                  <a:schemeClr val="tx1"/>
+                </a:solidFill>
+                <a:latin typeface="Times New Roman" pitchFamily="18" charset="0"/>
+                <a:ea typeface="ＭＳ Ｐゴシック" pitchFamily="34" charset="-128"/>
+              </a:defRPr>
+            </a:lvl2pPr>
+            <a:lvl3pPr marL="1142918" indent="-228584" defTabSz="990528" eaLnBrk="0" hangingPunct="0">
+              <a:spcBef>
+                <a:spcPct val="30000"/>
+              </a:spcBef>
+              <a:defRPr sz="1200">
+                <a:solidFill>
+                  <a:schemeClr val="tx1"/>
+                </a:solidFill>
+                <a:latin typeface="Times New Roman" pitchFamily="18" charset="0"/>
+                <a:ea typeface="ＭＳ Ｐゴシック" pitchFamily="34" charset="-128"/>
+              </a:defRPr>
+            </a:lvl3pPr>
+            <a:lvl4pPr marL="1600085" indent="-228584" defTabSz="990528" eaLnBrk="0" hangingPunct="0">
+              <a:spcBef>
+                <a:spcPct val="30000"/>
+              </a:spcBef>
+              <a:defRPr sz="1200">
+                <a:solidFill>
+                  <a:schemeClr val="tx1"/>
+                </a:solidFill>
+                <a:latin typeface="Times New Roman" pitchFamily="18" charset="0"/>
+                <a:ea typeface="ＭＳ Ｐゴシック" pitchFamily="34" charset="-128"/>
+              </a:defRPr>
+            </a:lvl4pPr>
+            <a:lvl5pPr marL="2057252" indent="-228584" defTabSz="990528" eaLnBrk="0" hangingPunct="0">
+              <a:spcBef>
+                <a:spcPct val="30000"/>
+              </a:spcBef>
+              <a:defRPr sz="1200">
+                <a:solidFill>
+                  <a:schemeClr val="tx1"/>
+                </a:solidFill>
+                <a:latin typeface="Times New Roman" pitchFamily="18" charset="0"/>
+                <a:ea typeface="ＭＳ Ｐゴシック" pitchFamily="34" charset="-128"/>
+              </a:defRPr>
+            </a:lvl5pPr>
+            <a:lvl6pPr marL="2514419" indent="-228584" defTabSz="990528" eaLnBrk="0" fontAlgn="base" hangingPunct="0">
+              <a:spcBef>
+                <a:spcPct val="30000"/>
+              </a:spcBef>
+              <a:spcAft>
+                <a:spcPct val="0"/>
+              </a:spcAft>
+              <a:defRPr sz="1200">
+                <a:solidFill>
+                  <a:schemeClr val="tx1"/>
+                </a:solidFill>
+                <a:latin typeface="Times New Roman" pitchFamily="18" charset="0"/>
+                <a:ea typeface="ＭＳ Ｐゴシック" pitchFamily="34" charset="-128"/>
+              </a:defRPr>
+            </a:lvl6pPr>
+            <a:lvl7pPr marL="2971585" indent="-228584" defTabSz="990528" eaLnBrk="0" fontAlgn="base" hangingPunct="0">
+              <a:spcBef>
+                <a:spcPct val="30000"/>
+              </a:spcBef>
+              <a:spcAft>
+                <a:spcPct val="0"/>
+              </a:spcAft>
+              <a:defRPr sz="1200">
+                <a:solidFill>
+                  <a:schemeClr val="tx1"/>
+                </a:solidFill>
+                <a:latin typeface="Times New Roman" pitchFamily="18" charset="0"/>
+                <a:ea typeface="ＭＳ Ｐゴシック" pitchFamily="34" charset="-128"/>
+              </a:defRPr>
+            </a:lvl7pPr>
+            <a:lvl8pPr marL="3428752" indent="-228584" defTabSz="990528" eaLnBrk="0" fontAlgn="base" hangingPunct="0">
+              <a:spcBef>
+                <a:spcPct val="30000"/>
+              </a:spcBef>
+              <a:spcAft>
+                <a:spcPct val="0"/>
+              </a:spcAft>
+              <a:defRPr sz="1200">
+                <a:solidFill>
+                  <a:schemeClr val="tx1"/>
+                </a:solidFill>
+                <a:latin typeface="Times New Roman" pitchFamily="18" charset="0"/>
+                <a:ea typeface="ＭＳ Ｐゴシック" pitchFamily="34" charset="-128"/>
+              </a:defRPr>
+            </a:lvl8pPr>
+            <a:lvl9pPr marL="3885919" indent="-228584" defTabSz="990528" eaLnBrk="0" fontAlgn="base" hangingPunct="0">
+              <a:spcBef>
+                <a:spcPct val="30000"/>
+              </a:spcBef>
+              <a:spcAft>
+                <a:spcPct val="0"/>
+              </a:spcAft>
+              <a:defRPr sz="1200">
+                <a:solidFill>
+                  <a:schemeClr val="tx1"/>
+                </a:solidFill>
+                <a:latin typeface="Times New Roman" pitchFamily="18" charset="0"/>
+                <a:ea typeface="ＭＳ Ｐゴシック" pitchFamily="34" charset="-128"/>
+              </a:defRPr>
+            </a:lvl9pPr>
+          </a:lstStyle>
+          <a:p>
+            <a:pPr eaLnBrk="1" hangingPunct="1">
+              <a:spcBef>
+                <a:spcPct val="0"/>
+              </a:spcBef>
+            </a:pPr>
+            <a:fld id="{392CB419-FA32-4238-A473-EBED58FF00DE}" type="slidenum">
+              <a:rPr lang="da-DK" altLang="da-DK" sz="1300">
+                <a:solidFill>
+                  <a:srgbClr val="CC0000"/>
+                </a:solidFill>
+              </a:rPr>
+              <a:pPr eaLnBrk="1" hangingPunct="1">
+                <a:spcBef>
+                  <a:spcPct val="0"/>
+                </a:spcBef>
+              </a:pPr>
+              <a:t>5</a:t>
+            </a:fld>
+            <a:endParaRPr lang="da-DK" altLang="da-DK" sz="1300">
+              <a:solidFill>
+                <a:srgbClr val="CC0000"/>
+              </a:solidFill>
+            </a:endParaRPr>
+          </a:p>
+        </p:txBody>
+      </p:sp>
+      <p:sp>
+        <p:nvSpPr>
+          <p:cNvPr id="22531" name="Rectangle 2"/>
+          <p:cNvSpPr>
+            <a:spLocks noGrp="1" noRot="1" noChangeAspect="1" noChangeArrowheads="1" noTextEdit="1"/>
+          </p:cNvSpPr>
+          <p:nvPr>
+            <p:ph type="sldImg"/>
+          </p:nvPr>
+        </p:nvSpPr>
+        <p:spPr>
+          <a:xfrm>
+            <a:off x="992188" y="768350"/>
+            <a:ext cx="5114925" cy="3836988"/>
+          </a:xfrm>
+          <a:ln/>
+        </p:spPr>
+      </p:sp>
+      <p:sp>
+        <p:nvSpPr>
+          <p:cNvPr id="22532" name="Rectangle 3"/>
+          <p:cNvSpPr>
+            <a:spLocks noGrp="1" noChangeArrowheads="1"/>
+          </p:cNvSpPr>
+          <p:nvPr>
+            <p:ph type="body" idx="1"/>
+          </p:nvPr>
+        </p:nvSpPr>
+        <p:spPr>
+          <a:noFill/>
+          <a:ln/>
+          <a:extLst>
+            <a:ext uri="{909E8E84-426E-40DD-AFC4-6F175D3DCCD1}">
+              <a14:hiddenFill xmlns:a14="http://schemas.microsoft.com/office/drawing/2010/main">
+                <a:solidFill>
+                  <a:srgbClr val="FFFFFF"/>
+                </a:solidFill>
+              </a14:hiddenFill>
+            </a:ext>
+            <a:ext uri="{91240B29-F687-4F45-9708-019B960494DF}">
+              <a14:hiddenLine xmlns:a14="http://schemas.microsoft.com/office/drawing/2010/main" w="9525">
+                <a:solidFill>
+                  <a:srgbClr val="000000"/>
+                </a:solidFill>
+                <a:miter lim="800000"/>
+                <a:headEnd/>
+                <a:tailEnd/>
+              </a14:hiddenLine>
+            </a:ext>
+          </a:extLst>
+        </p:spPr>
+        <p:txBody>
+          <a:bodyPr/>
+          <a:lstStyle/>
+          <a:p>
+            <a:pPr eaLnBrk="1" hangingPunct="1"/>
+            <a:endParaRPr lang="en-US" altLang="da-DK" smtClean="0">
+              <a:latin typeface="Times New Roman" pitchFamily="18" charset="0"/>
+              <a:ea typeface="ＭＳ Ｐゴシック" pitchFamily="34" charset="-128"/>
+            </a:endParaRPr>
+          </a:p>
+        </p:txBody>
+      </p:sp>
+    </p:spTree>
+    <p:extLst>
+      <p:ext uri="{BB962C8B-B14F-4D97-AF65-F5344CB8AC3E}">
+        <p14:creationId xmlns:p14="http://schemas.microsoft.com/office/powerpoint/2010/main" val="2348236575"/>
       </p:ext>
     </p:extLst>
   </p:cSld>
@@ -4260,11 +4539,7 @@
             </a:r>
             <a:r>
               <a:rPr lang="da-DK" sz="1600" dirty="0" smtClean="0"/>
-              <a:t>omkring </a:t>
-            </a:r>
-            <a:r>
-              <a:rPr lang="da-DK" sz="1600" dirty="0" smtClean="0"/>
-              <a:t>køreprøvesæt</a:t>
+              <a:t>omkring køreprøvesæt</a:t>
             </a:r>
             <a:endParaRPr lang="da-DK" sz="1600" dirty="0"/>
           </a:p>
@@ -4308,7 +4583,6 @@
               <a:rPr lang="da-DK" sz="1600" dirty="0" smtClean="0"/>
               <a:t>øreprøvesæt</a:t>
             </a:r>
-            <a:endParaRPr lang="da-DK" sz="1600" dirty="0" smtClean="0"/>
           </a:p>
           <a:p>
             <a:pPr marL="742950" lvl="1" indent="-285750">
@@ -4318,11 +4592,7 @@
             </a:pPr>
             <a:r>
               <a:rPr lang="da-DK" sz="1600" dirty="0" smtClean="0"/>
-              <a:t>17.00 </a:t>
-            </a:r>
-            <a:r>
-              <a:rPr lang="da-DK" sz="1600" dirty="0" smtClean="0"/>
-              <a:t>Slut</a:t>
+              <a:t>17.00 Slut</a:t>
             </a:r>
           </a:p>
           <a:p>
@@ -4519,8 +4789,8 @@
         </p:nvSpPr>
         <p:spPr bwMode="auto">
           <a:xfrm>
-            <a:off x="480723" y="287035"/>
-            <a:ext cx="8555773" cy="682625"/>
+            <a:off x="391376" y="260648"/>
+            <a:ext cx="8793295" cy="682625"/>
           </a:xfrm>
           <a:prstGeom prst="rect">
             <a:avLst/>
@@ -4690,20 +4960,12 @@
             </a:lvl9pPr>
           </a:lstStyle>
           <a:p>
-            <a:pPr>
-              <a:defRPr/>
-            </a:pPr>
-            <a:r>
-              <a:rPr lang="da-DK" sz="3200" dirty="0" smtClean="0"/>
-              <a:t>Status ved start af seminar </a:t>
-            </a:r>
-            <a:r>
-              <a:rPr lang="da-DK" sz="3200" dirty="0" smtClean="0"/>
-              <a:t>4 (fortsat)</a:t>
-            </a:r>
-            <a:endParaRPr lang="da-DK" altLang="da-DK" sz="3200" kern="0" dirty="0" smtClean="0">
-              <a:ea typeface="ＭＳ Ｐゴシック" pitchFamily="34" charset="-128"/>
-            </a:endParaRPr>
+            <a:pPr marL="271463" indent="-271463"/>
+            <a:r>
+              <a:rPr lang="da-DK" altLang="da-DK" sz="2800" dirty="0" smtClean="0"/>
+              <a:t>Afleveringsopgaverne</a:t>
+            </a:r>
+            <a:endParaRPr lang="da-DK" altLang="da-DK" sz="2800" dirty="0"/>
           </a:p>
         </p:txBody>
       </p:sp>
@@ -4717,8 +4979,8 @@
         </p:nvSpPr>
         <p:spPr bwMode="auto">
           <a:xfrm>
-            <a:off x="473828" y="1106472"/>
-            <a:ext cx="8411757" cy="5544616"/>
+            <a:off x="611560" y="1052736"/>
+            <a:ext cx="8424936" cy="5688632"/>
           </a:xfrm>
           <a:prstGeom prst="rect">
             <a:avLst/>
@@ -4881,217 +5143,171 @@
             </a:lvl9pPr>
           </a:lstStyle>
           <a:p>
+            <a:pPr marL="271463" lvl="1" indent="-271463">
+              <a:spcBef>
+                <a:spcPts val="1800"/>
+              </a:spcBef>
+              <a:buFontTx/>
+              <a:buChar char="•"/>
+            </a:pPr>
+            <a:r>
+              <a:rPr lang="da-DK" altLang="da-DK" sz="1800" b="1" spc="-80" dirty="0" smtClean="0">
+                <a:solidFill>
+                  <a:srgbClr val="A50021"/>
+                </a:solidFill>
+              </a:rPr>
+              <a:t>I Quiz 3 var jeres gennemsnitlige vurdering af pensummets sværhedsgrad 4,00</a:t>
+            </a:r>
+          </a:p>
+          <a:p>
             <a:pPr marL="742950" lvl="1" indent="-285750">
               <a:spcBef>
                 <a:spcPts val="600"/>
               </a:spcBef>
             </a:pPr>
-            <a:endParaRPr lang="da-DK" sz="1600" dirty="0" smtClean="0"/>
+            <a:r>
+              <a:rPr lang="da-DK" altLang="da-DK" sz="1600" dirty="0"/>
+              <a:t>Til sammenligning </a:t>
+            </a:r>
+            <a:r>
+              <a:rPr lang="da-DK" altLang="da-DK" sz="1600" dirty="0" smtClean="0"/>
+              <a:t>var gennemsnittet i foråret 2022 på 3,92</a:t>
+            </a:r>
+            <a:endParaRPr lang="da-DK" altLang="da-DK" sz="1600" dirty="0"/>
           </a:p>
           <a:p>
             <a:pPr marL="742950" lvl="1" indent="-285750">
               <a:spcBef>
-                <a:spcPts val="400"/>
+                <a:spcPts val="600"/>
               </a:spcBef>
             </a:pPr>
-            <a:endParaRPr lang="da-DK" sz="1100" dirty="0" smtClean="0"/>
+            <a:r>
+              <a:rPr lang="da-DK" altLang="da-DK" sz="1600" dirty="0" smtClean="0"/>
+              <a:t>Det er helt normalt, at man opfatter sværhedsgraden som stigende gennem de første uger, hvorefter den plejer at falde lidt igen</a:t>
+            </a:r>
+            <a:endParaRPr lang="da-DK" altLang="da-DK" sz="1600" dirty="0"/>
+          </a:p>
+          <a:p>
+            <a:pPr marL="271463" lvl="1" indent="-271463">
+              <a:spcBef>
+                <a:spcPts val="1200"/>
+              </a:spcBef>
+              <a:buFontTx/>
+              <a:buChar char="•"/>
+            </a:pPr>
+            <a:r>
+              <a:rPr lang="da-DK" altLang="da-DK" sz="1800" b="1" spc="-40" dirty="0" smtClean="0">
+                <a:solidFill>
+                  <a:srgbClr val="A50021"/>
+                </a:solidFill>
+              </a:rPr>
+              <a:t>I har klaret Raflebæger 3 og Skildpadde 2 virkelig flot</a:t>
+            </a:r>
           </a:p>
           <a:p>
             <a:pPr marL="742950" lvl="1" indent="-285750">
               <a:spcBef>
-                <a:spcPts val="400"/>
-              </a:spcBef>
+                <a:spcPts val="600"/>
+              </a:spcBef>
+              <a:buFontTx/>
+              <a:buChar char="–"/>
             </a:pPr>
-            <a:endParaRPr lang="da-DK" sz="1100" dirty="0"/>
-          </a:p>
-        </p:txBody>
-      </p:sp>
-      <p:sp>
-        <p:nvSpPr>
-          <p:cNvPr id="5" name="Content Placeholder 2"/>
-          <p:cNvSpPr txBox="1">
-            <a:spLocks/>
-          </p:cNvSpPr>
-          <p:nvPr/>
-        </p:nvSpPr>
-        <p:spPr bwMode="auto">
-          <a:xfrm>
-            <a:off x="588734" y="1106472"/>
-            <a:ext cx="8447762" cy="5634896"/>
-          </a:xfrm>
-          <a:prstGeom prst="rect">
-            <a:avLst/>
-          </a:prstGeom>
-          <a:noFill/>
-          <a:ln>
-            <a:noFill/>
-          </a:ln>
-          <a:extLst>
-            <a:ext uri="{909E8E84-426E-40DD-AFC4-6F175D3DCCD1}">
-              <a14:hiddenFill xmlns:a14="http://schemas.microsoft.com/office/drawing/2010/main">
-                <a:solidFill>
-                  <a:srgbClr val="FFFFFF"/>
-                </a:solidFill>
-              </a14:hiddenFill>
-            </a:ext>
-            <a:ext uri="{91240B29-F687-4F45-9708-019B960494DF}">
-              <a14:hiddenLine xmlns:a14="http://schemas.microsoft.com/office/drawing/2010/main" w="9525">
-                <a:solidFill>
-                  <a:srgbClr val="000000"/>
-                </a:solidFill>
-                <a:miter lim="800000"/>
-                <a:headEnd/>
-                <a:tailEnd/>
-              </a14:hiddenLine>
-            </a:ext>
-          </a:extLst>
-        </p:spPr>
-        <p:txBody>
-          <a:bodyPr/>
-          <a:lstStyle>
-            <a:lvl1pPr eaLnBrk="0" hangingPunct="0">
-              <a:spcBef>
-                <a:spcPct val="20000"/>
-              </a:spcBef>
+            <a:r>
+              <a:rPr lang="da-DK" altLang="da-DK" sz="1600" dirty="0" smtClean="0"/>
+              <a:t>Kun en enkelt genaflevering (med nogle småting, der skulle rettes)</a:t>
+            </a:r>
+          </a:p>
+          <a:p>
+            <a:pPr marL="742950" lvl="1" indent="-285750">
+              <a:spcBef>
+                <a:spcPts val="600"/>
+              </a:spcBef>
+              <a:buFontTx/>
+              <a:buChar char="–"/>
+            </a:pPr>
+            <a:r>
+              <a:rPr lang="da-DK" altLang="da-DK" sz="1600" dirty="0" smtClean="0"/>
+              <a:t>Husk indrykninger og at fjerne gammel kode/kommentarer</a:t>
+            </a:r>
+          </a:p>
+          <a:p>
+            <a:pPr marL="271463" lvl="1" indent="-271463">
+              <a:spcBef>
+                <a:spcPts val="1200"/>
+              </a:spcBef>
+              <a:buFontTx/>
               <a:buChar char="•"/>
-              <a:defRPr sz="2400" b="1">
+            </a:pPr>
+            <a:r>
+              <a:rPr lang="da-DK" altLang="da-DK" sz="1800" b="1" spc="-40" dirty="0" smtClean="0">
                 <a:solidFill>
                   <a:srgbClr val="A50021"/>
                 </a:solidFill>
-                <a:latin typeface="Arial" pitchFamily="34" charset="0"/>
-                <a:ea typeface="ＭＳ Ｐゴシック" pitchFamily="34" charset="-128"/>
-              </a:defRPr>
-            </a:lvl1pPr>
-            <a:lvl2pPr eaLnBrk="0" hangingPunct="0">
-              <a:spcBef>
-                <a:spcPct val="20000"/>
-              </a:spcBef>
+              </a:rPr>
+              <a:t>I </a:t>
+            </a:r>
+            <a:r>
+              <a:rPr lang="da-DK" altLang="da-DK" sz="1800" b="1" spc="-40" dirty="0">
+                <a:solidFill>
+                  <a:srgbClr val="A50021"/>
+                </a:solidFill>
+              </a:rPr>
+              <a:t>har </a:t>
+            </a:r>
+            <a:r>
+              <a:rPr lang="da-DK" altLang="da-DK" sz="1800" b="1" spc="-40" dirty="0" smtClean="0">
+                <a:solidFill>
+                  <a:srgbClr val="A50021"/>
+                </a:solidFill>
+              </a:rPr>
+              <a:t>også klaret </a:t>
+            </a:r>
+            <a:r>
+              <a:rPr lang="da-DK" altLang="da-DK" sz="1800" b="1" spc="-40" dirty="0">
+                <a:solidFill>
+                  <a:srgbClr val="A50021"/>
+                </a:solidFill>
+              </a:rPr>
+              <a:t>Quiz 3 </a:t>
+            </a:r>
+            <a:r>
+              <a:rPr lang="da-DK" altLang="da-DK" sz="1800" b="1" spc="-40" dirty="0" smtClean="0">
+                <a:solidFill>
+                  <a:srgbClr val="A50021"/>
+                </a:solidFill>
+              </a:rPr>
+              <a:t>ok</a:t>
+            </a:r>
+            <a:endParaRPr lang="da-DK" altLang="da-DK" sz="1800" b="1" spc="-40" dirty="0">
+              <a:solidFill>
+                <a:srgbClr val="A50021"/>
+              </a:solidFill>
+            </a:endParaRPr>
+          </a:p>
+          <a:p>
+            <a:pPr marL="742950" lvl="1" indent="-285750">
+              <a:spcBef>
+                <a:spcPts val="600"/>
+              </a:spcBef>
+              <a:buFontTx/>
               <a:buChar char="–"/>
-              <a:defRPr sz="2000">
-                <a:solidFill>
-                  <a:srgbClr val="000066"/>
-                </a:solidFill>
-                <a:latin typeface="Arial" pitchFamily="34" charset="0"/>
-                <a:ea typeface="ＭＳ Ｐゴシック" pitchFamily="34" charset="-128"/>
-              </a:defRPr>
-            </a:lvl2pPr>
-            <a:lvl3pPr eaLnBrk="0" hangingPunct="0">
-              <a:spcBef>
-                <a:spcPct val="20000"/>
-              </a:spcBef>
-              <a:buChar char="•"/>
-              <a:defRPr sz="1600">
-                <a:solidFill>
-                  <a:schemeClr val="tx1"/>
-                </a:solidFill>
-                <a:latin typeface="Arial" pitchFamily="34" charset="0"/>
-                <a:ea typeface="ＭＳ Ｐゴシック" pitchFamily="34" charset="-128"/>
-              </a:defRPr>
-            </a:lvl3pPr>
-            <a:lvl4pPr eaLnBrk="0" hangingPunct="0">
-              <a:spcBef>
-                <a:spcPct val="20000"/>
-              </a:spcBef>
+            </a:pPr>
+            <a:r>
+              <a:rPr lang="da-DK" altLang="da-DK" sz="1600" dirty="0" smtClean="0"/>
+              <a:t>I brugte 1,53 forsøg pr spørgsmål (mod 1,60 i foråret 2022)</a:t>
+            </a:r>
+          </a:p>
+          <a:p>
+            <a:pPr marL="742950" lvl="1" indent="-285750">
+              <a:spcBef>
+                <a:spcPts val="600"/>
+              </a:spcBef>
+              <a:buFontTx/>
               <a:buChar char="–"/>
-              <a:defRPr sz="1600">
-                <a:solidFill>
-                  <a:schemeClr val="tx1"/>
-                </a:solidFill>
-                <a:latin typeface="Times New Roman" pitchFamily="18" charset="0"/>
-                <a:ea typeface="ＭＳ Ｐゴシック" pitchFamily="34" charset="-128"/>
-              </a:defRPr>
-            </a:lvl4pPr>
-            <a:lvl5pPr eaLnBrk="0" hangingPunct="0">
-              <a:spcBef>
-                <a:spcPct val="20000"/>
-              </a:spcBef>
-              <a:buChar char="»"/>
-              <a:defRPr sz="1200">
-                <a:solidFill>
-                  <a:schemeClr val="tx1"/>
-                </a:solidFill>
-                <a:latin typeface="Times New Roman" pitchFamily="18" charset="0"/>
-                <a:ea typeface="ＭＳ Ｐゴシック" pitchFamily="34" charset="-128"/>
-              </a:defRPr>
-            </a:lvl5pPr>
-            <a:lvl6pPr eaLnBrk="0" fontAlgn="base" hangingPunct="0">
-              <a:spcBef>
-                <a:spcPct val="20000"/>
-              </a:spcBef>
-              <a:spcAft>
-                <a:spcPct val="0"/>
-              </a:spcAft>
-              <a:buChar char="»"/>
-              <a:defRPr sz="1200">
-                <a:solidFill>
-                  <a:schemeClr val="tx1"/>
-                </a:solidFill>
-                <a:latin typeface="Times New Roman" pitchFamily="18" charset="0"/>
-                <a:ea typeface="ＭＳ Ｐゴシック" pitchFamily="34" charset="-128"/>
-              </a:defRPr>
-            </a:lvl6pPr>
-            <a:lvl7pPr eaLnBrk="0" fontAlgn="base" hangingPunct="0">
-              <a:spcBef>
-                <a:spcPct val="20000"/>
-              </a:spcBef>
-              <a:spcAft>
-                <a:spcPct val="0"/>
-              </a:spcAft>
-              <a:buChar char="»"/>
-              <a:defRPr sz="1200">
-                <a:solidFill>
-                  <a:schemeClr val="tx1"/>
-                </a:solidFill>
-                <a:latin typeface="Times New Roman" pitchFamily="18" charset="0"/>
-                <a:ea typeface="ＭＳ Ｐゴシック" pitchFamily="34" charset="-128"/>
-              </a:defRPr>
-            </a:lvl7pPr>
-            <a:lvl8pPr eaLnBrk="0" fontAlgn="base" hangingPunct="0">
-              <a:spcBef>
-                <a:spcPct val="20000"/>
-              </a:spcBef>
-              <a:spcAft>
-                <a:spcPct val="0"/>
-              </a:spcAft>
-              <a:buChar char="»"/>
-              <a:defRPr sz="1200">
-                <a:solidFill>
-                  <a:schemeClr val="tx1"/>
-                </a:solidFill>
-                <a:latin typeface="Times New Roman" pitchFamily="18" charset="0"/>
-                <a:ea typeface="ＭＳ Ｐゴシック" pitchFamily="34" charset="-128"/>
-              </a:defRPr>
-            </a:lvl8pPr>
-            <a:lvl9pPr eaLnBrk="0" fontAlgn="base" hangingPunct="0">
-              <a:spcBef>
-                <a:spcPct val="20000"/>
-              </a:spcBef>
-              <a:spcAft>
-                <a:spcPct val="0"/>
-              </a:spcAft>
-              <a:buChar char="»"/>
-              <a:defRPr sz="1200">
-                <a:solidFill>
-                  <a:schemeClr val="tx1"/>
-                </a:solidFill>
-                <a:latin typeface="Times New Roman" pitchFamily="18" charset="0"/>
-                <a:ea typeface="ＭＳ Ｐゴシック" pitchFamily="34" charset="-128"/>
-              </a:defRPr>
-            </a:lvl9pPr>
-          </a:lstStyle>
-          <a:p>
-            <a:pPr marL="285750" lvl="0" indent="-285750">
-              <a:spcBef>
-                <a:spcPts val="1800"/>
-              </a:spcBef>
             </a:pPr>
             <a:r>
-              <a:rPr lang="da-DK" sz="1800" dirty="0" smtClean="0"/>
-              <a:t>I </a:t>
-            </a:r>
-            <a:r>
-              <a:rPr lang="da-DK" sz="1800" dirty="0" smtClean="0"/>
-              <a:t>de næste uger er der ikke noget nyt stof at læse</a:t>
+              <a:rPr lang="da-DK" altLang="da-DK" sz="1600" dirty="0" smtClean="0"/>
+              <a:t>En del af jer havde dog svært ved de fire sidste spørgsmål (om rekursive metoder)</a:t>
             </a:r>
           </a:p>
           <a:p>
@@ -5099,42 +5315,20 @@
               <a:spcBef>
                 <a:spcPts val="600"/>
               </a:spcBef>
+              <a:buFontTx/>
+              <a:buChar char="–"/>
             </a:pPr>
             <a:r>
-              <a:rPr lang="da-DK" sz="1600" dirty="0" smtClean="0"/>
-              <a:t>Mange </a:t>
-            </a:r>
-            <a:r>
-              <a:rPr lang="da-DK" sz="1600" dirty="0"/>
-              <a:t>af jer vil have </a:t>
-            </a:r>
-            <a:r>
-              <a:rPr lang="da-DK" sz="1600" b="1" dirty="0" smtClean="0">
-                <a:solidFill>
-                  <a:srgbClr val="008000"/>
-                </a:solidFill>
-              </a:rPr>
-              <a:t>stort udbytte</a:t>
-            </a:r>
-            <a:r>
-              <a:rPr lang="da-DK" sz="1600" dirty="0" smtClean="0"/>
-              <a:t> </a:t>
-            </a:r>
-            <a:r>
-              <a:rPr lang="da-DK" sz="1600" dirty="0"/>
-              <a:t>af at læse de første kapitler en gang </a:t>
-            </a:r>
-            <a:r>
-              <a:rPr lang="da-DK" sz="1600" dirty="0" smtClean="0"/>
-              <a:t>til, </a:t>
-            </a:r>
-            <a:r>
-              <a:rPr lang="da-DK" sz="1600" dirty="0"/>
-              <a:t>således at begreberne og terminologien kommer helt på </a:t>
-            </a:r>
-            <a:r>
-              <a:rPr lang="da-DK" sz="1600" dirty="0" smtClean="0"/>
-              <a:t>plads</a:t>
+              <a:rPr lang="da-DK" altLang="da-DK" sz="1600" dirty="0" smtClean="0"/>
+              <a:t>Det er helt normalt – </a:t>
+            </a:r>
+            <a:r>
+              <a:rPr lang="da-DK" altLang="da-DK" sz="1600" dirty="0" err="1" smtClean="0"/>
+              <a:t>rekursion</a:t>
+            </a:r>
+            <a:r>
+              <a:rPr lang="da-DK" altLang="da-DK" sz="1600" dirty="0" smtClean="0"/>
+              <a:t> er svær at forstå og kræver lidt tid</a:t>
             </a:r>
           </a:p>
           <a:p>
@@ -5142,119 +5336,33 @@
               <a:spcBef>
                 <a:spcPts val="600"/>
               </a:spcBef>
+              <a:buFontTx/>
+              <a:buChar char="–"/>
             </a:pPr>
             <a:r>
-              <a:rPr lang="da-DK" sz="1600" dirty="0" smtClean="0"/>
-              <a:t>Man kan også begynde at læse kapitel 5, 6, 7 og 8</a:t>
-            </a:r>
-          </a:p>
-          <a:p>
-            <a:pPr marL="742950" lvl="1" indent="-285750">
-              <a:spcBef>
-                <a:spcPts val="600"/>
-              </a:spcBef>
-            </a:pPr>
-            <a:r>
-              <a:rPr lang="da-DK" sz="1600" dirty="0" smtClean="0"/>
-              <a:t>Husk også at se videoerne – de er lige så vigtige som bogen</a:t>
-            </a:r>
-          </a:p>
-          <a:p>
-            <a:pPr marL="285750" indent="-285750">
-              <a:spcBef>
-                <a:spcPts val="1800"/>
-              </a:spcBef>
-            </a:pPr>
-            <a:r>
-              <a:rPr lang="da-DK" sz="1800" dirty="0"/>
-              <a:t>Bemærk at der er krav om fysisk fremmøde ved seminar </a:t>
-            </a:r>
-            <a:r>
-              <a:rPr lang="da-DK" sz="1800" dirty="0" smtClean="0"/>
-              <a:t>5</a:t>
-            </a:r>
-            <a:endParaRPr lang="da-DK" sz="1800" dirty="0"/>
-          </a:p>
-          <a:p>
-            <a:pPr marL="742950" lvl="1" indent="-285750">
-              <a:spcBef>
-                <a:spcPts val="600"/>
-              </a:spcBef>
-            </a:pPr>
-            <a:r>
-              <a:rPr lang="da-DK" sz="1600" dirty="0"/>
-              <a:t>Seminaret starter med en køreprøve, og det betyder, at man skal være fysisk til stede (i hvert fald om formiddagen</a:t>
-            </a:r>
-            <a:r>
-              <a:rPr lang="da-DK" sz="1600" dirty="0" smtClean="0"/>
-              <a:t>).</a:t>
-            </a:r>
-          </a:p>
-          <a:p>
-            <a:pPr marL="742950" lvl="1" indent="-285750">
-              <a:spcBef>
-                <a:spcPts val="600"/>
-              </a:spcBef>
-            </a:pPr>
-            <a:r>
-              <a:rPr lang="da-DK" sz="1600" dirty="0" smtClean="0"/>
-              <a:t>I </a:t>
-            </a:r>
-            <a:r>
-              <a:rPr lang="da-DK" sz="1600" dirty="0"/>
-              <a:t>tilfælde af sygdom (eller anden gyldig grund til fravær) kan køreprøven dog afholdes ved seminar 6 i </a:t>
-            </a:r>
-            <a:r>
-              <a:rPr lang="da-DK" sz="1600" dirty="0" smtClean="0"/>
-              <a:t>stedet (eller via Zoom i helt specielle tilfælde). </a:t>
-            </a:r>
-          </a:p>
-          <a:p>
-            <a:pPr marL="742950" lvl="1" indent="-285750">
-              <a:spcBef>
-                <a:spcPts val="600"/>
-              </a:spcBef>
-            </a:pPr>
-            <a:r>
-              <a:rPr lang="da-DK" sz="1600" dirty="0" smtClean="0"/>
-              <a:t>Rent </a:t>
-            </a:r>
-            <a:r>
-              <a:rPr lang="da-DK" sz="1600" dirty="0"/>
-              <a:t>formelt er køreprøven ikke obligatorisk, men de point, som man opnår ved køreprøven, tæller med ved fastlæggelsen af den endelige karakter ved den afsluttende mundtlige eksamen (og deltager man ikke i køreprøven får man selvfølgelig 0 point).</a:t>
-            </a:r>
-            <a:endParaRPr lang="da-DK" sz="1600" dirty="0" smtClean="0"/>
-          </a:p>
-          <a:p>
-            <a:pPr marL="742950" lvl="1" indent="-285750">
-              <a:spcBef>
-                <a:spcPts val="600"/>
-              </a:spcBef>
-            </a:pPr>
-            <a:endParaRPr lang="da-DK" sz="1600" dirty="0"/>
-          </a:p>
-          <a:p>
-            <a:pPr marL="742950" lvl="1" indent="-285750">
-              <a:spcBef>
-                <a:spcPts val="400"/>
-              </a:spcBef>
-            </a:pPr>
-            <a:endParaRPr lang="da-DK" sz="1100" dirty="0"/>
-          </a:p>
-          <a:p>
-            <a:pPr marL="742950" lvl="1" indent="-285750">
-              <a:spcBef>
-                <a:spcPts val="400"/>
-              </a:spcBef>
-            </a:pPr>
-            <a:endParaRPr lang="da-DK" sz="1100" dirty="0"/>
+              <a:rPr lang="da-DK" altLang="da-DK" sz="1600" dirty="0" smtClean="0"/>
+              <a:t>Se den </a:t>
+            </a:r>
+            <a:r>
+              <a:rPr lang="da-DK" altLang="da-DK" sz="1600" dirty="0" err="1" smtClean="0"/>
+              <a:t>posting</a:t>
+            </a:r>
+            <a:r>
+              <a:rPr lang="da-DK" altLang="da-DK" sz="1600" dirty="0" smtClean="0"/>
+              <a:t>, som jeg har lavet på Seminar 3 </a:t>
+            </a:r>
+            <a:r>
+              <a:rPr lang="da-DK" altLang="da-DK" sz="1600" dirty="0" smtClean="0"/>
+              <a:t>forummet</a:t>
+            </a:r>
+            <a:endParaRPr lang="da-DK" altLang="da-DK" sz="1600" dirty="0" smtClean="0"/>
           </a:p>
         </p:txBody>
       </p:sp>
     </p:spTree>
     <p:extLst>
       <p:ext uri="{BB962C8B-B14F-4D97-AF65-F5344CB8AC3E}">
-        <p14:creationId xmlns:p14="http://schemas.microsoft.com/office/powerpoint/2010/main" val="2783394565"/>
+        <p14:creationId xmlns:p14="http://schemas.microsoft.com/office/powerpoint/2010/main" val="38965180"/>
       </p:ext>
     </p:extLst>
   </p:cSld>
@@ -5298,8 +5406,8 @@
         </p:nvSpPr>
         <p:spPr bwMode="auto">
           <a:xfrm>
-            <a:off x="391376" y="260648"/>
-            <a:ext cx="8793295" cy="682625"/>
+            <a:off x="480723" y="287035"/>
+            <a:ext cx="8555773" cy="682625"/>
           </a:xfrm>
           <a:prstGeom prst="rect">
             <a:avLst/>
@@ -5469,12 +5577,20 @@
             </a:lvl9pPr>
           </a:lstStyle>
           <a:p>
-            <a:pPr marL="271463" indent="-271463"/>
-            <a:r>
-              <a:rPr lang="da-DK" altLang="da-DK" sz="2800" dirty="0" smtClean="0"/>
-              <a:t>Afleveringsopgaverne</a:t>
-            </a:r>
-            <a:endParaRPr lang="da-DK" altLang="da-DK" sz="2800" dirty="0"/>
+            <a:pPr>
+              <a:defRPr/>
+            </a:pPr>
+            <a:r>
+              <a:rPr lang="en-US" altLang="da-DK" sz="3200" dirty="0" err="1" smtClean="0"/>
+              <a:t>Frem</a:t>
+            </a:r>
+            <a:r>
+              <a:rPr lang="en-US" altLang="da-DK" sz="3200" dirty="0" smtClean="0"/>
+              <a:t> mod seminar 5</a:t>
+            </a:r>
+            <a:endParaRPr lang="da-DK" altLang="da-DK" sz="3200" kern="0" dirty="0" smtClean="0">
+              <a:ea typeface="ＭＳ Ｐゴシック" pitchFamily="34" charset="-128"/>
+            </a:endParaRPr>
           </a:p>
         </p:txBody>
       </p:sp>
@@ -5488,8 +5604,8 @@
         </p:nvSpPr>
         <p:spPr bwMode="auto">
           <a:xfrm>
-            <a:off x="611560" y="1052736"/>
-            <a:ext cx="8424936" cy="5688632"/>
+            <a:off x="473828" y="1106472"/>
+            <a:ext cx="8411757" cy="5544616"/>
           </a:xfrm>
           <a:prstGeom prst="rect">
             <a:avLst/>
@@ -5652,310 +5768,447 @@
             </a:lvl9pPr>
           </a:lstStyle>
           <a:p>
-            <a:pPr marL="271463" lvl="1" indent="-271463">
+            <a:pPr marL="742950" lvl="1" indent="-285750">
+              <a:spcBef>
+                <a:spcPts val="600"/>
+              </a:spcBef>
+            </a:pPr>
+            <a:endParaRPr lang="da-DK" sz="1600" dirty="0" smtClean="0"/>
+          </a:p>
+          <a:p>
+            <a:pPr marL="742950" lvl="1" indent="-285750">
+              <a:spcBef>
+                <a:spcPts val="400"/>
+              </a:spcBef>
+            </a:pPr>
+            <a:endParaRPr lang="da-DK" sz="1100" dirty="0" smtClean="0"/>
+          </a:p>
+          <a:p>
+            <a:pPr marL="742950" lvl="1" indent="-285750">
+              <a:spcBef>
+                <a:spcPts val="400"/>
+              </a:spcBef>
+            </a:pPr>
+            <a:endParaRPr lang="da-DK" sz="1100" dirty="0"/>
+          </a:p>
+        </p:txBody>
+      </p:sp>
+      <p:sp>
+        <p:nvSpPr>
+          <p:cNvPr id="5" name="Content Placeholder 2"/>
+          <p:cNvSpPr txBox="1">
+            <a:spLocks/>
+          </p:cNvSpPr>
+          <p:nvPr/>
+        </p:nvSpPr>
+        <p:spPr bwMode="auto">
+          <a:xfrm>
+            <a:off x="588734" y="1106472"/>
+            <a:ext cx="8447762" cy="5634896"/>
+          </a:xfrm>
+          <a:prstGeom prst="rect">
+            <a:avLst/>
+          </a:prstGeom>
+          <a:noFill/>
+          <a:ln>
+            <a:noFill/>
+          </a:ln>
+          <a:extLst>
+            <a:ext uri="{909E8E84-426E-40DD-AFC4-6F175D3DCCD1}">
+              <a14:hiddenFill xmlns:a14="http://schemas.microsoft.com/office/drawing/2010/main">
+                <a:solidFill>
+                  <a:srgbClr val="FFFFFF"/>
+                </a:solidFill>
+              </a14:hiddenFill>
+            </a:ext>
+            <a:ext uri="{91240B29-F687-4F45-9708-019B960494DF}">
+              <a14:hiddenLine xmlns:a14="http://schemas.microsoft.com/office/drawing/2010/main" w="9525">
+                <a:solidFill>
+                  <a:srgbClr val="000000"/>
+                </a:solidFill>
+                <a:miter lim="800000"/>
+                <a:headEnd/>
+                <a:tailEnd/>
+              </a14:hiddenLine>
+            </a:ext>
+          </a:extLst>
+        </p:spPr>
+        <p:txBody>
+          <a:bodyPr/>
+          <a:lstStyle>
+            <a:lvl1pPr eaLnBrk="0" hangingPunct="0">
+              <a:spcBef>
+                <a:spcPct val="20000"/>
+              </a:spcBef>
+              <a:buChar char="•"/>
+              <a:defRPr sz="2400" b="1">
+                <a:solidFill>
+                  <a:srgbClr val="A50021"/>
+                </a:solidFill>
+                <a:latin typeface="Arial" pitchFamily="34" charset="0"/>
+                <a:ea typeface="ＭＳ Ｐゴシック" pitchFamily="34" charset="-128"/>
+              </a:defRPr>
+            </a:lvl1pPr>
+            <a:lvl2pPr eaLnBrk="0" hangingPunct="0">
+              <a:spcBef>
+                <a:spcPct val="20000"/>
+              </a:spcBef>
+              <a:buChar char="–"/>
+              <a:defRPr sz="2000">
+                <a:solidFill>
+                  <a:srgbClr val="000066"/>
+                </a:solidFill>
+                <a:latin typeface="Arial" pitchFamily="34" charset="0"/>
+                <a:ea typeface="ＭＳ Ｐゴシック" pitchFamily="34" charset="-128"/>
+              </a:defRPr>
+            </a:lvl2pPr>
+            <a:lvl3pPr eaLnBrk="0" hangingPunct="0">
+              <a:spcBef>
+                <a:spcPct val="20000"/>
+              </a:spcBef>
+              <a:buChar char="•"/>
+              <a:defRPr sz="1600">
+                <a:solidFill>
+                  <a:schemeClr val="tx1"/>
+                </a:solidFill>
+                <a:latin typeface="Arial" pitchFamily="34" charset="0"/>
+                <a:ea typeface="ＭＳ Ｐゴシック" pitchFamily="34" charset="-128"/>
+              </a:defRPr>
+            </a:lvl3pPr>
+            <a:lvl4pPr eaLnBrk="0" hangingPunct="0">
+              <a:spcBef>
+                <a:spcPct val="20000"/>
+              </a:spcBef>
+              <a:buChar char="–"/>
+              <a:defRPr sz="1600">
+                <a:solidFill>
+                  <a:schemeClr val="tx1"/>
+                </a:solidFill>
+                <a:latin typeface="Times New Roman" pitchFamily="18" charset="0"/>
+                <a:ea typeface="ＭＳ Ｐゴシック" pitchFamily="34" charset="-128"/>
+              </a:defRPr>
+            </a:lvl4pPr>
+            <a:lvl5pPr eaLnBrk="0" hangingPunct="0">
+              <a:spcBef>
+                <a:spcPct val="20000"/>
+              </a:spcBef>
+              <a:buChar char="»"/>
+              <a:defRPr sz="1200">
+                <a:solidFill>
+                  <a:schemeClr val="tx1"/>
+                </a:solidFill>
+                <a:latin typeface="Times New Roman" pitchFamily="18" charset="0"/>
+                <a:ea typeface="ＭＳ Ｐゴシック" pitchFamily="34" charset="-128"/>
+              </a:defRPr>
+            </a:lvl5pPr>
+            <a:lvl6pPr eaLnBrk="0" fontAlgn="base" hangingPunct="0">
+              <a:spcBef>
+                <a:spcPct val="20000"/>
+              </a:spcBef>
+              <a:spcAft>
+                <a:spcPct val="0"/>
+              </a:spcAft>
+              <a:buChar char="»"/>
+              <a:defRPr sz="1200">
+                <a:solidFill>
+                  <a:schemeClr val="tx1"/>
+                </a:solidFill>
+                <a:latin typeface="Times New Roman" pitchFamily="18" charset="0"/>
+                <a:ea typeface="ＭＳ Ｐゴシック" pitchFamily="34" charset="-128"/>
+              </a:defRPr>
+            </a:lvl6pPr>
+            <a:lvl7pPr eaLnBrk="0" fontAlgn="base" hangingPunct="0">
+              <a:spcBef>
+                <a:spcPct val="20000"/>
+              </a:spcBef>
+              <a:spcAft>
+                <a:spcPct val="0"/>
+              </a:spcAft>
+              <a:buChar char="»"/>
+              <a:defRPr sz="1200">
+                <a:solidFill>
+                  <a:schemeClr val="tx1"/>
+                </a:solidFill>
+                <a:latin typeface="Times New Roman" pitchFamily="18" charset="0"/>
+                <a:ea typeface="ＭＳ Ｐゴシック" pitchFamily="34" charset="-128"/>
+              </a:defRPr>
+            </a:lvl7pPr>
+            <a:lvl8pPr eaLnBrk="0" fontAlgn="base" hangingPunct="0">
+              <a:spcBef>
+                <a:spcPct val="20000"/>
+              </a:spcBef>
+              <a:spcAft>
+                <a:spcPct val="0"/>
+              </a:spcAft>
+              <a:buChar char="»"/>
+              <a:defRPr sz="1200">
+                <a:solidFill>
+                  <a:schemeClr val="tx1"/>
+                </a:solidFill>
+                <a:latin typeface="Times New Roman" pitchFamily="18" charset="0"/>
+                <a:ea typeface="ＭＳ Ｐゴシック" pitchFamily="34" charset="-128"/>
+              </a:defRPr>
+            </a:lvl8pPr>
+            <a:lvl9pPr eaLnBrk="0" fontAlgn="base" hangingPunct="0">
+              <a:spcBef>
+                <a:spcPct val="20000"/>
+              </a:spcBef>
+              <a:spcAft>
+                <a:spcPct val="0"/>
+              </a:spcAft>
+              <a:buChar char="»"/>
+              <a:defRPr sz="1200">
+                <a:solidFill>
+                  <a:schemeClr val="tx1"/>
+                </a:solidFill>
+                <a:latin typeface="Times New Roman" pitchFamily="18" charset="0"/>
+                <a:ea typeface="ＭＳ Ｐゴシック" pitchFamily="34" charset="-128"/>
+              </a:defRPr>
+            </a:lvl9pPr>
+          </a:lstStyle>
+          <a:p>
+            <a:pPr marL="285750" lvl="0" indent="-285750">
               <a:spcBef>
                 <a:spcPts val="1800"/>
               </a:spcBef>
-              <a:buFontTx/>
-              <a:buChar char="•"/>
             </a:pPr>
             <a:r>
-              <a:rPr lang="da-DK" altLang="da-DK" sz="1800" b="1" spc="-80" dirty="0" smtClean="0">
-                <a:solidFill>
-                  <a:srgbClr val="A50021"/>
+              <a:rPr lang="da-DK" sz="1800" dirty="0" smtClean="0"/>
+              <a:t>I de næste uger er der ikke noget nyt stof at læse</a:t>
+            </a:r>
+          </a:p>
+          <a:p>
+            <a:pPr marL="742950" lvl="1" indent="-285750">
+              <a:spcBef>
+                <a:spcPts val="600"/>
+              </a:spcBef>
+            </a:pPr>
+            <a:r>
+              <a:rPr lang="da-DK" sz="1600" dirty="0" smtClean="0"/>
+              <a:t>Mange </a:t>
+            </a:r>
+            <a:r>
+              <a:rPr lang="da-DK" sz="1600" dirty="0"/>
+              <a:t>af jer vil have </a:t>
+            </a:r>
+            <a:r>
+              <a:rPr lang="da-DK" sz="1600" b="1" dirty="0" smtClean="0">
+                <a:solidFill>
+                  <a:srgbClr val="008000"/>
                 </a:solidFill>
               </a:rPr>
-              <a:t>I Quiz 3 var jeres gennemsnitlige vurdering af pensummets sværhedsgrad </a:t>
-            </a:r>
-            <a:r>
-              <a:rPr lang="da-DK" altLang="da-DK" sz="1800" b="1" spc="-80" dirty="0" smtClean="0">
-                <a:solidFill>
-                  <a:srgbClr val="A50021"/>
-                </a:solidFill>
+              <a:t>stort udbytte</a:t>
+            </a:r>
+            <a:r>
+              <a:rPr lang="da-DK" sz="1600" dirty="0" smtClean="0"/>
+              <a:t> </a:t>
+            </a:r>
+            <a:r>
+              <a:rPr lang="da-DK" sz="1600" dirty="0"/>
+              <a:t>af at læse de første kapitler en gang </a:t>
+            </a:r>
+            <a:r>
+              <a:rPr lang="da-DK" sz="1600" dirty="0" smtClean="0"/>
+              <a:t>til, </a:t>
+            </a:r>
+            <a:r>
+              <a:rPr lang="da-DK" sz="1600" dirty="0"/>
+              <a:t>således at begreberne og terminologien kommer helt på </a:t>
+            </a:r>
+            <a:r>
+              <a:rPr lang="da-DK" sz="1600" dirty="0" smtClean="0"/>
+              <a:t>plads</a:t>
+            </a:r>
+          </a:p>
+          <a:p>
+            <a:pPr marL="742950" lvl="1" indent="-285750">
+              <a:spcBef>
+                <a:spcPts val="600"/>
+              </a:spcBef>
+            </a:pPr>
+            <a:r>
+              <a:rPr lang="da-DK" sz="1600" dirty="0" smtClean="0"/>
+              <a:t>Man kan også begynde at læse kapitel 5, 6, 7 og 8</a:t>
+            </a:r>
+          </a:p>
+          <a:p>
+            <a:pPr marL="742950" lvl="1" indent="-285750">
+              <a:spcBef>
+                <a:spcPts val="600"/>
+              </a:spcBef>
+            </a:pPr>
+            <a:r>
+              <a:rPr lang="da-DK" sz="1600" dirty="0" smtClean="0"/>
+              <a:t>Husk også at se videoerne – de er lige så vigtige som bogen</a:t>
+            </a:r>
+          </a:p>
+          <a:p>
+            <a:pPr marL="285750" indent="-285750">
+              <a:spcBef>
+                <a:spcPts val="1800"/>
+              </a:spcBef>
+            </a:pPr>
+            <a:r>
+              <a:rPr lang="da-DK" sz="1800" dirty="0"/>
+              <a:t>Bemærk at der er krav om fysisk fremmøde ved seminar </a:t>
+            </a:r>
+            <a:r>
+              <a:rPr lang="da-DK" sz="1800" dirty="0" smtClean="0"/>
+              <a:t>5</a:t>
+            </a:r>
+            <a:endParaRPr lang="da-DK" sz="1800" dirty="0"/>
+          </a:p>
+          <a:p>
+            <a:pPr marL="742950" lvl="1" indent="-285750">
+              <a:spcBef>
+                <a:spcPts val="600"/>
+              </a:spcBef>
+            </a:pPr>
+            <a:r>
+              <a:rPr lang="da-DK" sz="1600" dirty="0"/>
+              <a:t>Seminaret starter med en køreprøve, og det betyder, at man skal være fysisk til stede (i hvert fald om formiddagen</a:t>
+            </a:r>
+            <a:r>
+              <a:rPr lang="da-DK" sz="1600" dirty="0" smtClean="0"/>
+              <a:t>).</a:t>
+            </a:r>
+          </a:p>
+          <a:p>
+            <a:pPr marL="742950" lvl="1" indent="-285750">
+              <a:spcBef>
+                <a:spcPts val="600"/>
+              </a:spcBef>
+            </a:pPr>
+            <a:r>
+              <a:rPr lang="da-DK" sz="1600" dirty="0" smtClean="0"/>
+              <a:t>I </a:t>
+            </a:r>
+            <a:r>
+              <a:rPr lang="da-DK" sz="1600" dirty="0"/>
+              <a:t>tilfælde af sygdom (eller anden gyldig grund til fravær) kan køreprøven dog afholdes ved seminar 6 i </a:t>
+            </a:r>
+            <a:r>
+              <a:rPr lang="da-DK" sz="1600" dirty="0" smtClean="0"/>
+              <a:t>stedet (eller via Zoom i helt specielle tilfælde). </a:t>
+            </a:r>
+          </a:p>
+          <a:p>
+            <a:pPr marL="742950" lvl="1" indent="-285750">
+              <a:spcBef>
+                <a:spcPts val="600"/>
+              </a:spcBef>
+            </a:pPr>
+            <a:r>
+              <a:rPr lang="da-DK" sz="1600" dirty="0" smtClean="0"/>
+              <a:t>Rent </a:t>
+            </a:r>
+            <a:r>
+              <a:rPr lang="da-DK" sz="1600" dirty="0"/>
+              <a:t>formelt er køreprøven ikke obligatorisk, men de point, som man opnår ved køreprøven, tæller med ved fastlæggelsen af den endelige karakter ved den afsluttende mundtlige eksamen (og deltager man ikke i køreprøven får man selvfølgelig 0 point).</a:t>
+            </a:r>
+            <a:endParaRPr lang="da-DK" sz="1600" dirty="0" smtClean="0"/>
+          </a:p>
+          <a:p>
+            <a:pPr marL="742950" lvl="1" indent="-285750">
+              <a:spcBef>
+                <a:spcPts val="600"/>
+              </a:spcBef>
+            </a:pPr>
+            <a:endParaRPr lang="da-DK" sz="1600" dirty="0"/>
+          </a:p>
+          <a:p>
+            <a:pPr marL="742950" lvl="1" indent="-285750">
+              <a:spcBef>
+                <a:spcPts val="400"/>
+              </a:spcBef>
+            </a:pPr>
+            <a:endParaRPr lang="da-DK" sz="1100" dirty="0"/>
+          </a:p>
+          <a:p>
+            <a:pPr marL="742950" lvl="1" indent="-285750">
+              <a:spcBef>
+                <a:spcPts val="400"/>
+              </a:spcBef>
+            </a:pPr>
+            <a:endParaRPr lang="da-DK" sz="1100" dirty="0"/>
+          </a:p>
+        </p:txBody>
+      </p:sp>
+      <p:sp>
+        <p:nvSpPr>
+          <p:cNvPr id="6" name="Rectangle 5"/>
+          <p:cNvSpPr/>
+          <p:nvPr/>
+        </p:nvSpPr>
+        <p:spPr>
+          <a:xfrm rot="20962002">
+            <a:off x="3711210" y="5628939"/>
+            <a:ext cx="3148066" cy="523220"/>
+          </a:xfrm>
+          <a:prstGeom prst="rect">
+            <a:avLst/>
+          </a:prstGeom>
+          <a:noFill/>
+        </p:spPr>
+        <p:txBody>
+          <a:bodyPr wrap="square">
+            <a:spAutoFit/>
+            <a:scene3d>
+              <a:camera prst="orthographicFront"/>
+              <a:lightRig rig="flat" dir="tl">
+                <a:rot lat="0" lon="0" rev="6600000"/>
+              </a:lightRig>
+            </a:scene3d>
+            <a:sp3d extrusionH="25400" contourW="8890">
+              <a:bevelT w="38100" h="31750"/>
+              <a:contourClr>
+                <a:schemeClr val="accent2">
+                  <a:shade val="75000"/>
+                </a:schemeClr>
+              </a:contourClr>
+            </a:sp3d>
+          </a:bodyPr>
+          <a:lstStyle/>
+          <a:p>
+            <a:pPr algn="ctr">
+              <a:defRPr/>
+            </a:pPr>
+            <a:r>
+              <a:rPr lang="da-DK" sz="2800" b="1" dirty="0" smtClean="0">
+                <a:ln w="11430"/>
+                <a:solidFill>
+                  <a:srgbClr val="CC0000"/>
+                </a:solidFill>
+                <a:effectLst>
+                  <a:outerShdw blurRad="50800" dist="39000" dir="5460000" algn="tl">
+                    <a:srgbClr val="000000">
+                      <a:alpha val="38000"/>
+                    </a:srgbClr>
+                  </a:outerShdw>
+                </a:effectLst>
               </a:rPr>
-              <a:t>4,00</a:t>
-            </a:r>
-            <a:endParaRPr lang="da-DK" altLang="da-DK" sz="1800" b="1" spc="-80" dirty="0" smtClean="0">
+              <a:t>Forelæsning</a:t>
+            </a:r>
+            <a:endParaRPr lang="da-DK" sz="3200" b="1" dirty="0">
+              <a:ln w="11430"/>
               <a:solidFill>
-                <a:srgbClr val="A50021"/>
+                <a:srgbClr val="CC0000"/>
               </a:solidFill>
+              <a:effectLst>
+                <a:outerShdw blurRad="50800" dist="39000" dir="5460000" algn="tl">
+                  <a:srgbClr val="000000">
+                    <a:alpha val="38000"/>
+                  </a:srgbClr>
+                </a:outerShdw>
+              </a:effectLst>
             </a:endParaRPr>
-          </a:p>
-          <a:p>
-            <a:pPr marL="742950" lvl="1" indent="-285750">
-              <a:spcBef>
-                <a:spcPts val="600"/>
-              </a:spcBef>
-            </a:pPr>
-            <a:r>
-              <a:rPr lang="da-DK" altLang="da-DK" sz="1600" dirty="0"/>
-              <a:t>Til sammenligning </a:t>
-            </a:r>
-            <a:r>
-              <a:rPr lang="da-DK" altLang="da-DK" sz="1600" dirty="0" smtClean="0"/>
-              <a:t>var gennemsnittet i foråret 2022 på 3,92</a:t>
-            </a:r>
-            <a:endParaRPr lang="da-DK" altLang="da-DK" sz="1600" dirty="0"/>
-          </a:p>
-          <a:p>
-            <a:pPr marL="742950" lvl="1" indent="-285750">
-              <a:spcBef>
-                <a:spcPts val="600"/>
-              </a:spcBef>
-            </a:pPr>
-            <a:r>
-              <a:rPr lang="da-DK" altLang="da-DK" sz="1600" dirty="0" smtClean="0"/>
-              <a:t>Det er helt normalt, at man opfatter sværhedsgraden som stigende gennem de første uger, hvorefter den plejer at falde lidt igen</a:t>
-            </a:r>
-            <a:endParaRPr lang="da-DK" altLang="da-DK" sz="1600" dirty="0"/>
-          </a:p>
-          <a:p>
-            <a:pPr marL="271463" lvl="1" indent="-271463">
-              <a:spcBef>
-                <a:spcPts val="1200"/>
-              </a:spcBef>
-              <a:buFontTx/>
-              <a:buChar char="•"/>
-            </a:pPr>
-            <a:r>
-              <a:rPr lang="da-DK" altLang="da-DK" sz="1800" b="1" spc="-40" dirty="0" smtClean="0">
-                <a:solidFill>
-                  <a:srgbClr val="A50021"/>
-                </a:solidFill>
-              </a:rPr>
-              <a:t>I har klaret Raflebæger 3 og Skildpadde 2 virkelig flot</a:t>
-            </a:r>
-          </a:p>
-          <a:p>
-            <a:pPr marL="742950" lvl="1" indent="-285750">
-              <a:spcBef>
-                <a:spcPts val="600"/>
-              </a:spcBef>
-              <a:buFontTx/>
-              <a:buChar char="–"/>
-            </a:pPr>
-            <a:r>
-              <a:rPr lang="da-DK" altLang="da-DK" sz="1600" dirty="0" smtClean="0"/>
-              <a:t>Kun en enkelt </a:t>
-            </a:r>
-            <a:r>
-              <a:rPr lang="da-DK" altLang="da-DK" sz="1600" dirty="0" smtClean="0"/>
-              <a:t>genaflevering (med nogle småting, der skulle rettes)</a:t>
-            </a:r>
-          </a:p>
-          <a:p>
-            <a:pPr marL="742950" lvl="1" indent="-285750">
-              <a:spcBef>
-                <a:spcPts val="600"/>
-              </a:spcBef>
-              <a:buFontTx/>
-              <a:buChar char="–"/>
-            </a:pPr>
-            <a:r>
-              <a:rPr lang="da-DK" altLang="da-DK" sz="1600" dirty="0" smtClean="0"/>
-              <a:t>Husk indrykninger og at fjerne gammel kode/kommentarer</a:t>
-            </a:r>
-          </a:p>
-          <a:p>
-            <a:pPr marL="271463" lvl="1" indent="-271463">
-              <a:spcBef>
-                <a:spcPts val="1200"/>
-              </a:spcBef>
-              <a:buFontTx/>
-              <a:buChar char="•"/>
-            </a:pPr>
-            <a:r>
-              <a:rPr lang="da-DK" altLang="da-DK" sz="1800" b="1" spc="-40" dirty="0" smtClean="0">
-                <a:solidFill>
-                  <a:srgbClr val="A50021"/>
-                </a:solidFill>
-              </a:rPr>
-              <a:t>I </a:t>
-            </a:r>
-            <a:r>
-              <a:rPr lang="da-DK" altLang="da-DK" sz="1800" b="1" spc="-40" dirty="0">
-                <a:solidFill>
-                  <a:srgbClr val="A50021"/>
-                </a:solidFill>
-              </a:rPr>
-              <a:t>har </a:t>
-            </a:r>
-            <a:r>
-              <a:rPr lang="da-DK" altLang="da-DK" sz="1800" b="1" spc="-40" dirty="0" smtClean="0">
-                <a:solidFill>
-                  <a:srgbClr val="A50021"/>
-                </a:solidFill>
-              </a:rPr>
-              <a:t>også klaret </a:t>
-            </a:r>
-            <a:r>
-              <a:rPr lang="da-DK" altLang="da-DK" sz="1800" b="1" spc="-40" dirty="0">
-                <a:solidFill>
-                  <a:srgbClr val="A50021"/>
-                </a:solidFill>
-              </a:rPr>
-              <a:t>Quiz 3 </a:t>
-            </a:r>
-            <a:r>
-              <a:rPr lang="da-DK" altLang="da-DK" sz="1800" b="1" spc="-40" dirty="0" smtClean="0">
-                <a:solidFill>
-                  <a:srgbClr val="A50021"/>
-                </a:solidFill>
-              </a:rPr>
-              <a:t>ok</a:t>
-            </a:r>
-            <a:endParaRPr lang="da-DK" altLang="da-DK" sz="1800" b="1" spc="-40" dirty="0">
-              <a:solidFill>
-                <a:srgbClr val="A50021"/>
-              </a:solidFill>
-            </a:endParaRPr>
-          </a:p>
-          <a:p>
-            <a:pPr marL="742950" lvl="1" indent="-285750">
-              <a:spcBef>
-                <a:spcPts val="600"/>
-              </a:spcBef>
-              <a:buFontTx/>
-              <a:buChar char="–"/>
-            </a:pPr>
-            <a:r>
-              <a:rPr lang="da-DK" altLang="da-DK" sz="1600" dirty="0" smtClean="0"/>
-              <a:t>I brugte </a:t>
-            </a:r>
-            <a:r>
-              <a:rPr lang="da-DK" altLang="da-DK" sz="1600" dirty="0" smtClean="0"/>
-              <a:t>1,53 </a:t>
-            </a:r>
-            <a:r>
-              <a:rPr lang="da-DK" altLang="da-DK" sz="1600" dirty="0" smtClean="0"/>
-              <a:t>forsøg pr spørgsmål (mod 1,60 i foråret 2022)</a:t>
-            </a:r>
-          </a:p>
-          <a:p>
-            <a:pPr marL="742950" lvl="1" indent="-285750">
-              <a:spcBef>
-                <a:spcPts val="600"/>
-              </a:spcBef>
-              <a:buFontTx/>
-              <a:buChar char="–"/>
-            </a:pPr>
-            <a:r>
-              <a:rPr lang="da-DK" altLang="da-DK" sz="1600" dirty="0" smtClean="0"/>
-              <a:t>En del af jer havde dog svært ved de fire sidste spørgsmål (om rekursive metoder)</a:t>
-            </a:r>
-          </a:p>
-          <a:p>
-            <a:pPr marL="742950" lvl="1" indent="-285750">
-              <a:spcBef>
-                <a:spcPts val="600"/>
-              </a:spcBef>
-              <a:buFontTx/>
-              <a:buChar char="–"/>
-            </a:pPr>
-            <a:r>
-              <a:rPr lang="da-DK" altLang="da-DK" sz="1600" dirty="0" smtClean="0"/>
-              <a:t>Det er helt normalt – </a:t>
-            </a:r>
-            <a:r>
-              <a:rPr lang="da-DK" altLang="da-DK" sz="1600" dirty="0" err="1" smtClean="0"/>
-              <a:t>rekursion</a:t>
-            </a:r>
-            <a:r>
-              <a:rPr lang="da-DK" altLang="da-DK" sz="1600" dirty="0" smtClean="0"/>
-              <a:t> er svær at forstå og kræver lidt tid</a:t>
-            </a:r>
-          </a:p>
-          <a:p>
-            <a:pPr marL="742950" lvl="1" indent="-285750">
-              <a:spcBef>
-                <a:spcPts val="600"/>
-              </a:spcBef>
-              <a:buFontTx/>
-              <a:buChar char="–"/>
-            </a:pPr>
-            <a:r>
-              <a:rPr lang="da-DK" altLang="da-DK" sz="1600" dirty="0" smtClean="0"/>
-              <a:t>Se den </a:t>
-            </a:r>
-            <a:r>
-              <a:rPr lang="da-DK" altLang="da-DK" sz="1600" dirty="0" err="1" smtClean="0"/>
-              <a:t>posting</a:t>
-            </a:r>
-            <a:r>
-              <a:rPr lang="da-DK" altLang="da-DK" sz="1600" dirty="0" smtClean="0"/>
-              <a:t>, som jeg har lavet på Seminar 3 forummet</a:t>
-            </a:r>
-          </a:p>
-          <a:p>
-            <a:pPr marL="285750" indent="-285750">
-              <a:spcBef>
-                <a:spcPts val="1200"/>
-              </a:spcBef>
-            </a:pPr>
-            <a:r>
-              <a:rPr lang="da-DK" sz="1800" dirty="0" smtClean="0"/>
-              <a:t>Husk </a:t>
-            </a:r>
-            <a:r>
-              <a:rPr lang="da-DK" sz="1800" dirty="0"/>
-              <a:t>at teste jeres </a:t>
-            </a:r>
-            <a:r>
-              <a:rPr lang="da-DK" sz="1800" dirty="0" smtClean="0"/>
-              <a:t>køreprøvesæt på </a:t>
-            </a:r>
-            <a:r>
-              <a:rPr lang="da-DK" sz="1800" dirty="0"/>
-              <a:t>testserveren før I afleverer</a:t>
-            </a:r>
-          </a:p>
-          <a:p>
-            <a:pPr marL="742950" lvl="1" indent="-285750">
-              <a:spcBef>
-                <a:spcPts val="600"/>
-              </a:spcBef>
-            </a:pPr>
-            <a:r>
-              <a:rPr lang="da-DK" sz="1600" dirty="0" smtClean="0"/>
-              <a:t>Manglende kørsel på testserveren giver helt automatisk genaflevering</a:t>
-            </a:r>
-          </a:p>
-          <a:p>
-            <a:pPr marL="742950" lvl="1" indent="-285750">
-              <a:spcBef>
-                <a:spcPts val="600"/>
-              </a:spcBef>
-            </a:pPr>
-            <a:r>
-              <a:rPr lang="da-DK" sz="1600" spc="-20" dirty="0" smtClean="0"/>
-              <a:t>Sidste </a:t>
-            </a:r>
-            <a:r>
-              <a:rPr lang="da-DK" sz="1600" spc="-20" dirty="0"/>
-              <a:t>kørsel på testserveren bør svare til den kode, som I afleverer på </a:t>
-            </a:r>
-            <a:r>
-              <a:rPr lang="da-DK" sz="1600" spc="-20" dirty="0" smtClean="0"/>
-              <a:t>Brightspace</a:t>
-            </a:r>
-          </a:p>
-          <a:p>
-            <a:pPr marL="742950" lvl="1" indent="-285750">
-              <a:spcBef>
-                <a:spcPts val="600"/>
-              </a:spcBef>
-            </a:pPr>
-            <a:r>
-              <a:rPr lang="da-DK" sz="1600" dirty="0" smtClean="0"/>
-              <a:t>Brightspace siden ”Test af opgaver” forklarer, hvordan man tester køreprøvesæt</a:t>
-            </a:r>
           </a:p>
         </p:txBody>
       </p:sp>
     </p:spTree>
     <p:extLst>
       <p:ext uri="{BB962C8B-B14F-4D97-AF65-F5344CB8AC3E}">
-        <p14:creationId xmlns:p14="http://schemas.microsoft.com/office/powerpoint/2010/main" val="38965180"/>
+        <p14:creationId xmlns:p14="http://schemas.microsoft.com/office/powerpoint/2010/main" val="2783394565"/>
       </p:ext>
     </p:extLst>
   </p:cSld>
@@ -6415,19 +6668,7 @@
             </a:r>
             <a:r>
               <a:rPr lang="da-DK" altLang="da-DK" sz="1600" dirty="0" smtClean="0"/>
-              <a:t>26. </a:t>
-            </a:r>
-            <a:r>
-              <a:rPr lang="da-DK" altLang="da-DK" sz="1600" dirty="0" smtClean="0"/>
-              <a:t>februar og mandag den </a:t>
-            </a:r>
-            <a:r>
-              <a:rPr lang="da-DK" altLang="da-DK" sz="1600" dirty="0" smtClean="0"/>
-              <a:t>4. </a:t>
-            </a:r>
-            <a:r>
-              <a:rPr lang="da-DK" altLang="da-DK" sz="1600" dirty="0" smtClean="0"/>
-              <a:t>marts) </a:t>
+              <a:t>26. februar og mandag den 4. marts) </a:t>
             </a:r>
           </a:p>
           <a:p>
@@ -6479,170 +6720,13 @@
             </a:r>
             <a:r>
               <a:rPr lang="da-DK" altLang="da-DK" sz="1600" dirty="0"/>
-              <a:t>introduceres i eftermiddagens forelæsning</a:t>
-            </a:r>
-          </a:p>
-          <a:p>
-            <a:pPr marL="271463" lvl="1" indent="-271463">
-              <a:spcBef>
-                <a:spcPts val="1800"/>
-              </a:spcBef>
-              <a:buFontTx/>
-              <a:buChar char="•"/>
-            </a:pPr>
-            <a:r>
-              <a:rPr lang="da-DK" altLang="da-DK" sz="1800" b="1" spc="-40" dirty="0" smtClean="0">
-                <a:solidFill>
-                  <a:srgbClr val="A50021"/>
-                </a:solidFill>
-              </a:rPr>
-              <a:t>Som tidligere bruger dem, der ikke er her, Breakout rum og det del</a:t>
-            </a:r>
-            <a:r>
-              <a:rPr lang="da-DK" altLang="da-DK" sz="1800" b="1" spc="-40" dirty="0">
-                <a:solidFill>
-                  <a:srgbClr val="A50021"/>
-                </a:solidFill>
-              </a:rPr>
-              <a:t>te Google Docs dokument </a:t>
-            </a:r>
-            <a:r>
-              <a:rPr lang="da-DK" altLang="da-DK" sz="1800" b="1" spc="-40" dirty="0" smtClean="0">
-                <a:solidFill>
-                  <a:srgbClr val="A50021"/>
-                </a:solidFill>
-              </a:rPr>
-              <a:t>”Tilkald </a:t>
-            </a:r>
-            <a:r>
-              <a:rPr lang="da-DK" altLang="da-DK" sz="1800" b="1" spc="-40" dirty="0">
-                <a:solidFill>
-                  <a:srgbClr val="A50021"/>
-                </a:solidFill>
-              </a:rPr>
-              <a:t>hjælp” </a:t>
-            </a:r>
-          </a:p>
-          <a:p>
-            <a:pPr marL="742950" lvl="1" indent="-285750">
-              <a:spcBef>
-                <a:spcPts val="600"/>
-              </a:spcBef>
-              <a:buFontTx/>
-              <a:buChar char="–"/>
-            </a:pPr>
+              <a:t>introduceres i eftermiddagens </a:t>
+            </a:r>
             <a:r>
               <a:rPr lang="da-DK" altLang="da-DK" sz="1600" dirty="0" smtClean="0"/>
-              <a:t>Næste forelæsning starter kl. 13.30</a:t>
-            </a:r>
-          </a:p>
-          <a:p>
-            <a:pPr marL="742950" lvl="1" indent="-285750">
-              <a:spcBef>
-                <a:spcPts val="600"/>
-              </a:spcBef>
-              <a:buFontTx/>
-              <a:buChar char="–"/>
-            </a:pPr>
-            <a:r>
-              <a:rPr lang="da-DK" altLang="da-DK" sz="1600" dirty="0"/>
-              <a:t>Husk at få </a:t>
-            </a:r>
-            <a:r>
-              <a:rPr lang="da-DK" altLang="da-DK" sz="1600" dirty="0" smtClean="0"/>
-              <a:t>frokost </a:t>
-            </a:r>
-            <a:r>
-              <a:rPr lang="da-DK" altLang="da-DK" sz="1600" dirty="0"/>
-              <a:t>og </a:t>
-            </a:r>
-            <a:r>
-              <a:rPr lang="da-DK" altLang="da-DK" sz="1600" dirty="0" smtClean="0"/>
-              <a:t>lidt frisk </a:t>
-            </a:r>
-            <a:r>
-              <a:rPr lang="da-DK" altLang="da-DK" sz="1600" dirty="0"/>
-              <a:t>luft inden da</a:t>
-            </a:r>
-          </a:p>
-          <a:p>
-            <a:pPr marL="742950" lvl="1" indent="-285750">
-              <a:spcBef>
-                <a:spcPts val="600"/>
-              </a:spcBef>
-            </a:pPr>
-            <a:endParaRPr lang="da-DK" altLang="da-DK" sz="1600" spc="-40" dirty="0" smtClean="0"/>
-          </a:p>
-        </p:txBody>
-      </p:sp>
-      <p:sp>
-        <p:nvSpPr>
-          <p:cNvPr id="5" name="Rectangle 4"/>
-          <p:cNvSpPr/>
-          <p:nvPr/>
-        </p:nvSpPr>
-        <p:spPr>
-          <a:xfrm rot="21165640">
-            <a:off x="4591892" y="5759572"/>
-            <a:ext cx="3280124" cy="523220"/>
-          </a:xfrm>
-          <a:prstGeom prst="rect">
-            <a:avLst/>
-          </a:prstGeom>
-          <a:noFill/>
-        </p:spPr>
-        <p:txBody>
-          <a:bodyPr wrap="square">
-            <a:spAutoFit/>
-            <a:scene3d>
-              <a:camera prst="orthographicFront"/>
-              <a:lightRig rig="flat" dir="tl">
-                <a:rot lat="0" lon="0" rev="6600000"/>
-              </a:lightRig>
-            </a:scene3d>
-            <a:sp3d extrusionH="25400" contourW="8890">
-              <a:bevelT w="38100" h="31750"/>
-              <a:contourClr>
-                <a:schemeClr val="accent2">
-                  <a:shade val="75000"/>
-                </a:schemeClr>
-              </a:contourClr>
-            </a:sp3d>
-          </a:bodyPr>
-          <a:lstStyle/>
-          <a:p>
-            <a:pPr algn="ctr">
-              <a:defRPr/>
-            </a:pPr>
-            <a:r>
-              <a:rPr lang="da-DK" sz="2800" b="1" dirty="0" smtClean="0">
-                <a:ln w="11430"/>
-                <a:solidFill>
-                  <a:srgbClr val="CC0000"/>
-                </a:solidFill>
-                <a:effectLst>
-                  <a:outerShdw blurRad="50800" dist="39000" dir="5460000" algn="tl">
-                    <a:srgbClr val="000000">
-                      <a:alpha val="38000"/>
-                    </a:srgbClr>
-                  </a:outerShdw>
-                </a:effectLst>
-              </a:rPr>
-              <a:t>Forelæsning</a:t>
-            </a:r>
-            <a:endParaRPr lang="da-DK" sz="3200" b="1" dirty="0">
-              <a:ln w="11430"/>
-              <a:solidFill>
-                <a:srgbClr val="CC0000"/>
-              </a:solidFill>
-              <a:effectLst>
-                <a:outerShdw blurRad="50800" dist="39000" dir="5460000" algn="tl">
-                  <a:srgbClr val="000000">
-                    <a:alpha val="38000"/>
-                  </a:srgbClr>
-                </a:outerShdw>
-              </a:effectLst>
-            </a:endParaRPr>
+              <a:t>forelæsning</a:t>
+            </a:r>
+            <a:endParaRPr lang="da-DK" altLang="da-DK" sz="1600" dirty="0"/>
           </a:p>
         </p:txBody>
       </p:sp>
@@ -6659,75 +6743,697 @@
   <p:timing>
     <p:tnLst>
       <p:par>
-        <p:cTn id="1" dur="indefinite" restart="never" nodeType="tmRoot">
-          <p:childTnLst>
-            <p:seq concurrent="1" nextAc="seek">
-              <p:cTn id="2" dur="indefinite" nodeType="mainSeq">
-                <p:childTnLst>
-                  <p:par>
-                    <p:cTn id="3" fill="hold">
-                      <p:stCondLst>
-                        <p:cond delay="indefinite"/>
-                      </p:stCondLst>
-                      <p:childTnLst>
-                        <p:par>
-                          <p:cTn id="4" fill="hold">
-                            <p:stCondLst>
-                              <p:cond delay="0"/>
-                            </p:stCondLst>
-                            <p:childTnLst>
-                              <p:par>
-                                <p:cTn id="5" presetID="1" presetClass="entr" presetSubtype="0" fill="hold" nodeType="clickEffect">
-                                  <p:stCondLst>
-                                    <p:cond delay="0"/>
-                                  </p:stCondLst>
-                                  <p:childTnLst>
-                                    <p:set>
-                                      <p:cBhvr>
-                                        <p:cTn id="6" dur="1" fill="hold">
-                                          <p:stCondLst>
-                                            <p:cond delay="0"/>
-                                          </p:stCondLst>
-                                        </p:cTn>
-                                        <p:tgtEl>
-                                          <p:spTgt spid="5"/>
-                                        </p:tgtEl>
-                                        <p:attrNameLst>
-                                          <p:attrName>style.visibility</p:attrName>
-                                        </p:attrNameLst>
-                                      </p:cBhvr>
-                                      <p:to>
-                                        <p:strVal val="visible"/>
-                                      </p:to>
-                                    </p:set>
-                                  </p:childTnLst>
-                                </p:cTn>
-                              </p:par>
-                            </p:childTnLst>
-                          </p:cTn>
-                        </p:par>
-                      </p:childTnLst>
-                    </p:cTn>
-                  </p:par>
-                </p:childTnLst>
-              </p:cTn>
-              <p:prevCondLst>
-                <p:cond evt="onPrev" delay="0">
-                  <p:tgtEl>
-                    <p:sldTgt/>
-                  </p:tgtEl>
-                </p:cond>
-              </p:prevCondLst>
-              <p:nextCondLst>
-                <p:cond evt="onNext" delay="0">
-                  <p:tgtEl>
-                    <p:sldTgt/>
-                  </p:tgtEl>
-                </p:cond>
-              </p:nextCondLst>
-            </p:seq>
-          </p:childTnLst>
-        </p:cTn>
+        <p:cTn id="1" dur="indefinite" restart="never" nodeType="tmRoot"/>
+      </p:par>
+    </p:tnLst>
+  </p:timing>
+</p:sld>
+</file>
+
+<file path=ppt/slides/slide5.xml><?xml version="1.0" encoding="utf-8"?>
+<p:sld xmlns:a="http://schemas.openxmlformats.org/drawingml/2006/main" xmlns:r="http://schemas.openxmlformats.org/officeDocument/2006/relationships" xmlns:p="http://schemas.openxmlformats.org/presentationml/2006/main">
+  <p:cSld>
+    <p:spTree>
+      <p:nvGrpSpPr>
+        <p:cNvPr id="1" name=""/>
+        <p:cNvGrpSpPr/>
+        <p:nvPr/>
+      </p:nvGrpSpPr>
+      <p:grpSpPr>
+        <a:xfrm>
+          <a:off x="0" y="0"/>
+          <a:ext cx="0" cy="0"/>
+          <a:chOff x="0" y="0"/>
+          <a:chExt cx="0" cy="0"/>
+        </a:xfrm>
+      </p:grpSpPr>
+      <p:sp>
+        <p:nvSpPr>
+          <p:cNvPr id="4" name="Title 1"/>
+          <p:cNvSpPr txBox="1">
+            <a:spLocks/>
+          </p:cNvSpPr>
+          <p:nvPr/>
+        </p:nvSpPr>
+        <p:spPr bwMode="auto">
+          <a:xfrm>
+            <a:off x="459225" y="260349"/>
+            <a:ext cx="8793295" cy="682625"/>
+          </a:xfrm>
+          <a:prstGeom prst="rect">
+            <a:avLst/>
+          </a:prstGeom>
+          <a:noFill/>
+          <a:ln>
+            <a:noFill/>
+          </a:ln>
+          <a:extLst>
+            <a:ext uri="{909E8E84-426E-40DD-AFC4-6F175D3DCCD1}">
+              <a14:hiddenFill xmlns:a14="http://schemas.microsoft.com/office/drawing/2010/main">
+                <a:solidFill>
+                  <a:srgbClr val="FFFFFF"/>
+                </a:solidFill>
+              </a14:hiddenFill>
+            </a:ext>
+            <a:ext uri="{91240B29-F687-4F45-9708-019B960494DF}">
+              <a14:hiddenLine xmlns:a14="http://schemas.microsoft.com/office/drawing/2010/main" w="9525">
+                <a:solidFill>
+                  <a:srgbClr val="000000"/>
+                </a:solidFill>
+                <a:miter lim="800000"/>
+                <a:headEnd/>
+                <a:tailEnd/>
+              </a14:hiddenLine>
+            </a:ext>
+          </a:extLst>
+        </p:spPr>
+        <p:txBody>
+          <a:bodyPr anchor="ctr"/>
+          <a:lstStyle>
+            <a:lvl1pPr algn="l" rtl="0" eaLnBrk="0" fontAlgn="base" hangingPunct="0">
+              <a:spcBef>
+                <a:spcPct val="0"/>
+              </a:spcBef>
+              <a:spcAft>
+                <a:spcPct val="0"/>
+              </a:spcAft>
+              <a:defRPr sz="3600" b="1">
+                <a:solidFill>
+                  <a:srgbClr val="000066"/>
+                </a:solidFill>
+                <a:latin typeface="+mj-lt"/>
+                <a:ea typeface="ＭＳ Ｐゴシック" pitchFamily="-107" charset="-128"/>
+                <a:cs typeface="ＭＳ Ｐゴシック" pitchFamily="-107" charset="-128"/>
+              </a:defRPr>
+            </a:lvl1pPr>
+            <a:lvl2pPr algn="l" rtl="0" eaLnBrk="0" fontAlgn="base" hangingPunct="0">
+              <a:spcBef>
+                <a:spcPct val="0"/>
+              </a:spcBef>
+              <a:spcAft>
+                <a:spcPct val="0"/>
+              </a:spcAft>
+              <a:defRPr sz="3600" b="1">
+                <a:solidFill>
+                  <a:srgbClr val="000066"/>
+                </a:solidFill>
+                <a:latin typeface="Arial" charset="0"/>
+                <a:ea typeface="ＭＳ Ｐゴシック" pitchFamily="-107" charset="-128"/>
+                <a:cs typeface="ＭＳ Ｐゴシック" pitchFamily="-107" charset="-128"/>
+              </a:defRPr>
+            </a:lvl2pPr>
+            <a:lvl3pPr algn="l" rtl="0" eaLnBrk="0" fontAlgn="base" hangingPunct="0">
+              <a:spcBef>
+                <a:spcPct val="0"/>
+              </a:spcBef>
+              <a:spcAft>
+                <a:spcPct val="0"/>
+              </a:spcAft>
+              <a:defRPr sz="3600" b="1">
+                <a:solidFill>
+                  <a:srgbClr val="000066"/>
+                </a:solidFill>
+                <a:latin typeface="Arial" charset="0"/>
+                <a:ea typeface="ＭＳ Ｐゴシック" pitchFamily="-107" charset="-128"/>
+                <a:cs typeface="ＭＳ Ｐゴシック" pitchFamily="-107" charset="-128"/>
+              </a:defRPr>
+            </a:lvl3pPr>
+            <a:lvl4pPr algn="l" rtl="0" eaLnBrk="0" fontAlgn="base" hangingPunct="0">
+              <a:spcBef>
+                <a:spcPct val="0"/>
+              </a:spcBef>
+              <a:spcAft>
+                <a:spcPct val="0"/>
+              </a:spcAft>
+              <a:defRPr sz="3600" b="1">
+                <a:solidFill>
+                  <a:srgbClr val="000066"/>
+                </a:solidFill>
+                <a:latin typeface="Arial" charset="0"/>
+                <a:ea typeface="ＭＳ Ｐゴシック" pitchFamily="-107" charset="-128"/>
+                <a:cs typeface="ＭＳ Ｐゴシック" pitchFamily="-107" charset="-128"/>
+              </a:defRPr>
+            </a:lvl4pPr>
+            <a:lvl5pPr algn="l" rtl="0" eaLnBrk="0" fontAlgn="base" hangingPunct="0">
+              <a:spcBef>
+                <a:spcPct val="0"/>
+              </a:spcBef>
+              <a:spcAft>
+                <a:spcPct val="0"/>
+              </a:spcAft>
+              <a:defRPr sz="3600" b="1">
+                <a:solidFill>
+                  <a:srgbClr val="000066"/>
+                </a:solidFill>
+                <a:latin typeface="Arial" charset="0"/>
+                <a:ea typeface="ＭＳ Ｐゴシック" pitchFamily="-107" charset="-128"/>
+                <a:cs typeface="ＭＳ Ｐゴシック" pitchFamily="-107" charset="-128"/>
+              </a:defRPr>
+            </a:lvl5pPr>
+            <a:lvl6pPr marL="457200" algn="l" rtl="0" fontAlgn="base">
+              <a:spcBef>
+                <a:spcPct val="0"/>
+              </a:spcBef>
+              <a:spcAft>
+                <a:spcPct val="0"/>
+              </a:spcAft>
+              <a:defRPr sz="3600" b="1">
+                <a:solidFill>
+                  <a:srgbClr val="000066"/>
+                </a:solidFill>
+                <a:latin typeface="Arial" charset="0"/>
+              </a:defRPr>
+            </a:lvl6pPr>
+            <a:lvl7pPr marL="914400" algn="l" rtl="0" fontAlgn="base">
+              <a:spcBef>
+                <a:spcPct val="0"/>
+              </a:spcBef>
+              <a:spcAft>
+                <a:spcPct val="0"/>
+              </a:spcAft>
+              <a:defRPr sz="3600" b="1">
+                <a:solidFill>
+                  <a:srgbClr val="000066"/>
+                </a:solidFill>
+                <a:latin typeface="Arial" charset="0"/>
+              </a:defRPr>
+            </a:lvl7pPr>
+            <a:lvl8pPr marL="1371600" algn="l" rtl="0" fontAlgn="base">
+              <a:spcBef>
+                <a:spcPct val="0"/>
+              </a:spcBef>
+              <a:spcAft>
+                <a:spcPct val="0"/>
+              </a:spcAft>
+              <a:defRPr sz="3600" b="1">
+                <a:solidFill>
+                  <a:srgbClr val="000066"/>
+                </a:solidFill>
+                <a:latin typeface="Arial" charset="0"/>
+              </a:defRPr>
+            </a:lvl8pPr>
+            <a:lvl9pPr marL="1828800" algn="l" rtl="0" fontAlgn="base">
+              <a:spcBef>
+                <a:spcPct val="0"/>
+              </a:spcBef>
+              <a:spcAft>
+                <a:spcPct val="0"/>
+              </a:spcAft>
+              <a:defRPr sz="3600" b="1">
+                <a:solidFill>
+                  <a:srgbClr val="000066"/>
+                </a:solidFill>
+                <a:latin typeface="Arial" charset="0"/>
+              </a:defRPr>
+            </a:lvl9pPr>
+          </a:lstStyle>
+          <a:p>
+            <a:pPr marL="271463" indent="-271463"/>
+            <a:r>
+              <a:rPr lang="da-DK" altLang="da-DK" sz="2800" dirty="0" smtClean="0"/>
+              <a:t>Test af køreprøvesættene</a:t>
+            </a:r>
+            <a:endParaRPr lang="da-DK" altLang="da-DK" sz="2800" dirty="0"/>
+          </a:p>
+        </p:txBody>
+      </p:sp>
+      <p:sp>
+        <p:nvSpPr>
+          <p:cNvPr id="8" name="Content Placeholder 2"/>
+          <p:cNvSpPr txBox="1">
+            <a:spLocks/>
+          </p:cNvSpPr>
+          <p:nvPr/>
+        </p:nvSpPr>
+        <p:spPr bwMode="auto">
+          <a:xfrm>
+            <a:off x="539552" y="1052736"/>
+            <a:ext cx="8352928" cy="4824536"/>
+          </a:xfrm>
+          <a:prstGeom prst="rect">
+            <a:avLst/>
+          </a:prstGeom>
+          <a:noFill/>
+          <a:ln>
+            <a:noFill/>
+          </a:ln>
+          <a:extLst>
+            <a:ext uri="{909E8E84-426E-40DD-AFC4-6F175D3DCCD1}">
+              <a14:hiddenFill xmlns:a14="http://schemas.microsoft.com/office/drawing/2010/main">
+                <a:solidFill>
+                  <a:srgbClr val="FFFFFF"/>
+                </a:solidFill>
+              </a14:hiddenFill>
+            </a:ext>
+            <a:ext uri="{91240B29-F687-4F45-9708-019B960494DF}">
+              <a14:hiddenLine xmlns:a14="http://schemas.microsoft.com/office/drawing/2010/main" w="9525">
+                <a:solidFill>
+                  <a:srgbClr val="000000"/>
+                </a:solidFill>
+                <a:miter lim="800000"/>
+                <a:headEnd/>
+                <a:tailEnd/>
+              </a14:hiddenLine>
+            </a:ext>
+          </a:extLst>
+        </p:spPr>
+        <p:txBody>
+          <a:bodyPr/>
+          <a:lstStyle>
+            <a:lvl1pPr eaLnBrk="0" hangingPunct="0">
+              <a:spcBef>
+                <a:spcPct val="20000"/>
+              </a:spcBef>
+              <a:buChar char="•"/>
+              <a:defRPr sz="2400" b="1">
+                <a:solidFill>
+                  <a:srgbClr val="A50021"/>
+                </a:solidFill>
+                <a:latin typeface="Arial" pitchFamily="34" charset="0"/>
+                <a:ea typeface="ＭＳ Ｐゴシック" pitchFamily="34" charset="-128"/>
+              </a:defRPr>
+            </a:lvl1pPr>
+            <a:lvl2pPr eaLnBrk="0" hangingPunct="0">
+              <a:spcBef>
+                <a:spcPct val="20000"/>
+              </a:spcBef>
+              <a:buChar char="–"/>
+              <a:defRPr sz="2000">
+                <a:solidFill>
+                  <a:srgbClr val="000066"/>
+                </a:solidFill>
+                <a:latin typeface="Arial" pitchFamily="34" charset="0"/>
+                <a:ea typeface="ＭＳ Ｐゴシック" pitchFamily="34" charset="-128"/>
+              </a:defRPr>
+            </a:lvl2pPr>
+            <a:lvl3pPr eaLnBrk="0" hangingPunct="0">
+              <a:spcBef>
+                <a:spcPct val="20000"/>
+              </a:spcBef>
+              <a:buChar char="•"/>
+              <a:defRPr sz="1600">
+                <a:solidFill>
+                  <a:schemeClr val="tx1"/>
+                </a:solidFill>
+                <a:latin typeface="Arial" pitchFamily="34" charset="0"/>
+                <a:ea typeface="ＭＳ Ｐゴシック" pitchFamily="34" charset="-128"/>
+              </a:defRPr>
+            </a:lvl3pPr>
+            <a:lvl4pPr eaLnBrk="0" hangingPunct="0">
+              <a:spcBef>
+                <a:spcPct val="20000"/>
+              </a:spcBef>
+              <a:buChar char="–"/>
+              <a:defRPr sz="1600">
+                <a:solidFill>
+                  <a:schemeClr val="tx1"/>
+                </a:solidFill>
+                <a:latin typeface="Times New Roman" pitchFamily="18" charset="0"/>
+                <a:ea typeface="ＭＳ Ｐゴシック" pitchFamily="34" charset="-128"/>
+              </a:defRPr>
+            </a:lvl4pPr>
+            <a:lvl5pPr eaLnBrk="0" hangingPunct="0">
+              <a:spcBef>
+                <a:spcPct val="20000"/>
+              </a:spcBef>
+              <a:buChar char="»"/>
+              <a:defRPr sz="1200">
+                <a:solidFill>
+                  <a:schemeClr val="tx1"/>
+                </a:solidFill>
+                <a:latin typeface="Times New Roman" pitchFamily="18" charset="0"/>
+                <a:ea typeface="ＭＳ Ｐゴシック" pitchFamily="34" charset="-128"/>
+              </a:defRPr>
+            </a:lvl5pPr>
+            <a:lvl6pPr eaLnBrk="0" fontAlgn="base" hangingPunct="0">
+              <a:spcBef>
+                <a:spcPct val="20000"/>
+              </a:spcBef>
+              <a:spcAft>
+                <a:spcPct val="0"/>
+              </a:spcAft>
+              <a:buChar char="»"/>
+              <a:defRPr sz="1200">
+                <a:solidFill>
+                  <a:schemeClr val="tx1"/>
+                </a:solidFill>
+                <a:latin typeface="Times New Roman" pitchFamily="18" charset="0"/>
+                <a:ea typeface="ＭＳ Ｐゴシック" pitchFamily="34" charset="-128"/>
+              </a:defRPr>
+            </a:lvl6pPr>
+            <a:lvl7pPr eaLnBrk="0" fontAlgn="base" hangingPunct="0">
+              <a:spcBef>
+                <a:spcPct val="20000"/>
+              </a:spcBef>
+              <a:spcAft>
+                <a:spcPct val="0"/>
+              </a:spcAft>
+              <a:buChar char="»"/>
+              <a:defRPr sz="1200">
+                <a:solidFill>
+                  <a:schemeClr val="tx1"/>
+                </a:solidFill>
+                <a:latin typeface="Times New Roman" pitchFamily="18" charset="0"/>
+                <a:ea typeface="ＭＳ Ｐゴシック" pitchFamily="34" charset="-128"/>
+              </a:defRPr>
+            </a:lvl7pPr>
+            <a:lvl8pPr eaLnBrk="0" fontAlgn="base" hangingPunct="0">
+              <a:spcBef>
+                <a:spcPct val="20000"/>
+              </a:spcBef>
+              <a:spcAft>
+                <a:spcPct val="0"/>
+              </a:spcAft>
+              <a:buChar char="»"/>
+              <a:defRPr sz="1200">
+                <a:solidFill>
+                  <a:schemeClr val="tx1"/>
+                </a:solidFill>
+                <a:latin typeface="Times New Roman" pitchFamily="18" charset="0"/>
+                <a:ea typeface="ＭＳ Ｐゴシック" pitchFamily="34" charset="-128"/>
+              </a:defRPr>
+            </a:lvl8pPr>
+            <a:lvl9pPr eaLnBrk="0" fontAlgn="base" hangingPunct="0">
+              <a:spcBef>
+                <a:spcPct val="20000"/>
+              </a:spcBef>
+              <a:spcAft>
+                <a:spcPct val="0"/>
+              </a:spcAft>
+              <a:buChar char="»"/>
+              <a:defRPr sz="1200">
+                <a:solidFill>
+                  <a:schemeClr val="tx1"/>
+                </a:solidFill>
+                <a:latin typeface="Times New Roman" pitchFamily="18" charset="0"/>
+                <a:ea typeface="ＭＳ Ｐゴシック" pitchFamily="34" charset="-128"/>
+              </a:defRPr>
+            </a:lvl9pPr>
+          </a:lstStyle>
+          <a:p>
+            <a:pPr marL="285750" indent="-285750">
+              <a:spcBef>
+                <a:spcPts val="1200"/>
+              </a:spcBef>
+            </a:pPr>
+            <a:r>
+              <a:rPr lang="da-DK" sz="1800" dirty="0"/>
+              <a:t>Husk at teste jeres køreprøvesæt på testserveren før I afleverer</a:t>
+            </a:r>
+          </a:p>
+          <a:p>
+            <a:pPr marL="742950" lvl="1" indent="-285750">
+              <a:spcBef>
+                <a:spcPts val="600"/>
+              </a:spcBef>
+            </a:pPr>
+            <a:r>
+              <a:rPr lang="da-DK" sz="1600" dirty="0"/>
+              <a:t>Manglende kørsel på testserveren giver helt automatisk genaflevering</a:t>
+            </a:r>
+          </a:p>
+          <a:p>
+            <a:pPr marL="742950" lvl="1" indent="-285750">
+              <a:spcBef>
+                <a:spcPts val="600"/>
+              </a:spcBef>
+            </a:pPr>
+            <a:r>
+              <a:rPr lang="da-DK" sz="1600" spc="-20" dirty="0"/>
+              <a:t>Sidste kørsel på testserveren bør svare til den kode, som I afleverer på Brightspace</a:t>
+            </a:r>
+          </a:p>
+          <a:p>
+            <a:pPr marL="742950" lvl="1" indent="-285750">
+              <a:spcBef>
+                <a:spcPts val="600"/>
+              </a:spcBef>
+            </a:pPr>
+            <a:r>
+              <a:rPr lang="da-DK" sz="1600" dirty="0"/>
+              <a:t>Brightspace siden ”Test af opgaver” forklarer, hvordan man tester køreprøvesæt</a:t>
+            </a:r>
+          </a:p>
+          <a:p>
+            <a:pPr marL="271463" lvl="1" indent="-271463">
+              <a:spcBef>
+                <a:spcPts val="1800"/>
+              </a:spcBef>
+              <a:buFontTx/>
+              <a:buChar char="•"/>
+            </a:pPr>
+            <a:r>
+              <a:rPr lang="da-DK" altLang="da-DK" sz="1800" b="1" spc="-60" dirty="0" smtClean="0">
+                <a:solidFill>
+                  <a:srgbClr val="A50021"/>
+                </a:solidFill>
+              </a:rPr>
+              <a:t>For </a:t>
+            </a:r>
+            <a:r>
+              <a:rPr lang="da-DK" altLang="da-DK" sz="1800" b="1" spc="-60" dirty="0">
+                <a:solidFill>
+                  <a:srgbClr val="A50021"/>
+                </a:solidFill>
+              </a:rPr>
+              <a:t>køreprøveopgaverne skal I selv downloade </a:t>
+            </a:r>
+            <a:r>
+              <a:rPr lang="da-DK" altLang="da-DK" sz="1800" b="1" spc="-60" dirty="0">
+                <a:solidFill>
+                  <a:srgbClr val="A50021"/>
+                </a:solidFill>
+              </a:rPr>
+              <a:t>filen</a:t>
+            </a:r>
+            <a:r>
+              <a:rPr lang="da-DK" altLang="da-DK" sz="1600" spc="-60" dirty="0" smtClean="0"/>
+              <a:t> </a:t>
+            </a:r>
+            <a:r>
+              <a:rPr lang="da-DK" altLang="da-DK" sz="1600" b="1" spc="-60" dirty="0">
+                <a:hlinkClick r:id="rId3"/>
+              </a:rPr>
+              <a:t>TestServer.java</a:t>
+            </a:r>
+            <a:r>
+              <a:rPr lang="da-DK" altLang="da-DK" sz="1600" spc="-60" dirty="0"/>
+              <a:t>  </a:t>
+            </a:r>
+            <a:r>
+              <a:rPr lang="da-DK" altLang="da-DK" sz="1800" b="1" spc="-60" dirty="0">
+                <a:solidFill>
+                  <a:srgbClr val="A50021"/>
+                </a:solidFill>
+              </a:rPr>
+              <a:t>og kopiere den ind i jeres projekt, hvorved I får en </a:t>
+            </a:r>
+            <a:r>
+              <a:rPr lang="da-DK" altLang="da-DK" sz="1800" b="1" spc="-60" dirty="0" err="1">
+                <a:solidFill>
+                  <a:srgbClr val="A50021"/>
+                </a:solidFill>
+              </a:rPr>
+              <a:t>TestServer</a:t>
+            </a:r>
+            <a:r>
+              <a:rPr lang="da-DK" altLang="da-DK" sz="1800" b="1" spc="-60" dirty="0">
+                <a:solidFill>
+                  <a:srgbClr val="A50021"/>
+                </a:solidFill>
+              </a:rPr>
+              <a:t> klasse tilføjet til </a:t>
+            </a:r>
+            <a:r>
+              <a:rPr lang="da-DK" altLang="da-DK" sz="1800" b="1" spc="-60" dirty="0">
+                <a:solidFill>
+                  <a:srgbClr val="A50021"/>
+                </a:solidFill>
+              </a:rPr>
+              <a:t>projektet</a:t>
+            </a:r>
+          </a:p>
+          <a:p>
+            <a:pPr marL="742950" lvl="1" indent="-285750">
+              <a:spcBef>
+                <a:spcPts val="600"/>
+              </a:spcBef>
+            </a:pPr>
+            <a:r>
+              <a:rPr lang="da-DK" altLang="da-DK" sz="1600" dirty="0" smtClean="0"/>
+              <a:t>Derefter </a:t>
+            </a:r>
+            <a:r>
+              <a:rPr lang="da-DK" altLang="da-DK" sz="1600" dirty="0"/>
+              <a:t>køres test metoden med en parameter, der svarer til køreprøvens </a:t>
+            </a:r>
+            <a:r>
+              <a:rPr lang="da-DK" altLang="da-DK" sz="1600" dirty="0" smtClean="0"/>
+              <a:t>navn</a:t>
+            </a:r>
+            <a:br>
+              <a:rPr lang="da-DK" altLang="da-DK" sz="1600" dirty="0" smtClean="0"/>
+            </a:br>
+            <a:r>
+              <a:rPr lang="da-DK" altLang="da-DK" sz="1600" dirty="0" smtClean="0"/>
+              <a:t>(</a:t>
+            </a:r>
+            <a:r>
+              <a:rPr lang="da-DK" altLang="da-DK" sz="1600" dirty="0"/>
+              <a:t>f. </a:t>
+            </a:r>
+            <a:r>
+              <a:rPr lang="da-DK" altLang="da-DK" sz="1600" dirty="0"/>
+              <a:t>eks. "train-1" for Train-1, eller "</a:t>
+            </a:r>
+            <a:r>
+              <a:rPr lang="da-DK" altLang="da-DK" sz="1600" dirty="0" err="1"/>
+              <a:t>volleyplayer</a:t>
+            </a:r>
+            <a:r>
+              <a:rPr lang="da-DK" altLang="da-DK" sz="1600" dirty="0"/>
+              <a:t>" for </a:t>
+            </a:r>
+            <a:r>
+              <a:rPr lang="da-DK" altLang="da-DK" sz="1600" dirty="0" err="1"/>
+              <a:t>VolleyPlayer</a:t>
+            </a:r>
+            <a:r>
+              <a:rPr lang="da-DK" altLang="da-DK" sz="1600" dirty="0" smtClean="0"/>
+              <a:t>)</a:t>
+            </a:r>
+          </a:p>
+          <a:p>
+            <a:pPr marL="742950" lvl="1" indent="-285750">
+              <a:spcBef>
+                <a:spcPts val="600"/>
+              </a:spcBef>
+            </a:pPr>
+            <a:r>
+              <a:rPr lang="da-DK" altLang="da-DK" sz="1600" dirty="0" smtClean="0"/>
+              <a:t>Testserveren </a:t>
+            </a:r>
+            <a:r>
+              <a:rPr lang="da-DK" altLang="da-DK" sz="1600" dirty="0"/>
+              <a:t>kræver, at parametrene for konstruktøren har feltvariablerne i samme rækkefølge som i </a:t>
+            </a:r>
+            <a:r>
+              <a:rPr lang="da-DK" altLang="da-DK" sz="1600" dirty="0" smtClean="0"/>
+              <a:t>UML-diagrammet</a:t>
+            </a:r>
+          </a:p>
+          <a:p>
+            <a:pPr marL="742950" lvl="1" indent="-285750">
+              <a:spcBef>
+                <a:spcPts val="600"/>
+              </a:spcBef>
+            </a:pPr>
+            <a:r>
+              <a:rPr lang="da-DK" altLang="da-DK" sz="1600" dirty="0" smtClean="0"/>
+              <a:t>Herudover </a:t>
+            </a:r>
+            <a:r>
+              <a:rPr lang="da-DK" altLang="da-DK" sz="1600" dirty="0"/>
+              <a:t>skal sorteringen i opgave 10 løses ved, at man laver en compareTo metode og på den måde implementerer Comparable </a:t>
+            </a:r>
+            <a:r>
+              <a:rPr lang="da-DK" altLang="da-DK" sz="1600" dirty="0" smtClean="0"/>
+              <a:t>interfacet</a:t>
+            </a:r>
+            <a:endParaRPr lang="da-DK" altLang="da-DK" sz="1600" dirty="0"/>
+          </a:p>
+          <a:p>
+            <a:pPr marL="271463" lvl="1" indent="-271463">
+              <a:spcBef>
+                <a:spcPts val="1800"/>
+              </a:spcBef>
+              <a:buFontTx/>
+              <a:buChar char="•"/>
+            </a:pPr>
+            <a:r>
+              <a:rPr lang="da-DK" altLang="da-DK" sz="1800" b="1" spc="-40" dirty="0" smtClean="0">
+                <a:solidFill>
+                  <a:srgbClr val="A50021"/>
+                </a:solidFill>
+              </a:rPr>
+              <a:t>Som </a:t>
+            </a:r>
+            <a:r>
+              <a:rPr lang="da-DK" altLang="da-DK" sz="1800" b="1" spc="-40" dirty="0">
+                <a:solidFill>
+                  <a:srgbClr val="A50021"/>
+                </a:solidFill>
+              </a:rPr>
+              <a:t>tidligere bruger dem, der ikke er her, Breakout rum og det delte Google Docs dokument ”Tilkald hjælp” </a:t>
+            </a:r>
+          </a:p>
+          <a:p>
+            <a:pPr marL="742950" lvl="1" indent="-285750">
+              <a:spcBef>
+                <a:spcPts val="600"/>
+              </a:spcBef>
+              <a:buFontTx/>
+              <a:buChar char="–"/>
+            </a:pPr>
+            <a:r>
+              <a:rPr lang="da-DK" altLang="da-DK" sz="1600" dirty="0" smtClean="0"/>
+              <a:t>Næste </a:t>
+            </a:r>
+            <a:r>
+              <a:rPr lang="da-DK" altLang="da-DK" sz="1600" dirty="0" smtClean="0"/>
+              <a:t>forelæsning starter kl. 13.30</a:t>
+            </a:r>
+          </a:p>
+          <a:p>
+            <a:pPr marL="742950" lvl="1" indent="-285750">
+              <a:spcBef>
+                <a:spcPts val="600"/>
+              </a:spcBef>
+              <a:buFontTx/>
+              <a:buChar char="–"/>
+            </a:pPr>
+            <a:r>
+              <a:rPr lang="da-DK" altLang="da-DK" sz="1600" dirty="0"/>
+              <a:t>Husk at få </a:t>
+            </a:r>
+            <a:r>
+              <a:rPr lang="da-DK" altLang="da-DK" sz="1600" dirty="0" smtClean="0"/>
+              <a:t>frokost </a:t>
+            </a:r>
+            <a:r>
+              <a:rPr lang="da-DK" altLang="da-DK" sz="1600" dirty="0"/>
+              <a:t>og </a:t>
+            </a:r>
+            <a:r>
+              <a:rPr lang="da-DK" altLang="da-DK" sz="1600" dirty="0" smtClean="0"/>
+              <a:t>lidt frisk </a:t>
+            </a:r>
+            <a:r>
+              <a:rPr lang="da-DK" altLang="da-DK" sz="1600" dirty="0"/>
+              <a:t>luft inden </a:t>
+            </a:r>
+            <a:r>
+              <a:rPr lang="da-DK" altLang="da-DK" sz="1600" dirty="0" smtClean="0"/>
+              <a:t>da</a:t>
+            </a:r>
+            <a:endParaRPr lang="da-DK" altLang="da-DK" sz="1600" spc="-40" dirty="0" smtClean="0"/>
+          </a:p>
+        </p:txBody>
+      </p:sp>
+    </p:spTree>
+    <p:extLst>
+      <p:ext uri="{BB962C8B-B14F-4D97-AF65-F5344CB8AC3E}">
+        <p14:creationId xmlns:p14="http://schemas.microsoft.com/office/powerpoint/2010/main" val="1901054228"/>
+      </p:ext>
+    </p:extLst>
+  </p:cSld>
+  <p:clrMapOvr>
+    <a:masterClrMapping/>
+  </p:clrMapOvr>
+  <p:timing>
+    <p:tnLst>
+      <p:par>
+        <p:cTn id="1" dur="indefinite" restart="never" nodeType="tmRoot"/>
       </p:par>
     </p:tnLst>
   </p:timing>
